--- a/Binary Heap.pptx
+++ b/Binary Heap.pptx
@@ -31,9 +31,7 @@
     <p:sldId id="286" r:id="rId25"/>
     <p:sldId id="287" r:id="rId26"/>
     <p:sldId id="260" r:id="rId27"/>
-    <p:sldId id="278" r:id="rId28"/>
-    <p:sldId id="279" r:id="rId29"/>
-    <p:sldId id="263" r:id="rId30"/>
+    <p:sldId id="263" r:id="rId28"/>
   </p:sldIdLst>
   <p:sldSz cx="12192000" cy="6858000"/>
   <p:notesSz cx="6858000" cy="9144000"/>
@@ -4275,11 +4273,7 @@
             </a:r>
             <a:r>
               <a:rPr lang="fr-CA" dirty="0" smtClean="0"/>
-              <a:t>. A</a:t>
-            </a:r>
-            <a:r>
-              <a:rPr lang="fr-CA" dirty="0" smtClean="0"/>
-              <a:t>ll </a:t>
+              <a:t>. All </a:t>
             </a:r>
             <a:r>
               <a:rPr lang="fr-CA" dirty="0" err="1" smtClean="0"/>
@@ -4352,7 +4346,6 @@
               <a:rPr lang="fr-CA" dirty="0" smtClean="0"/>
               <a:t> data structure</a:t>
             </a:r>
-            <a:endParaRPr lang="fr-CA" dirty="0" smtClean="0"/>
           </a:p>
           <a:p>
             <a:pPr lvl="1"/>
@@ -4402,15 +4395,7 @@
             </a:r>
             <a:r>
               <a:rPr lang="fr-CA" dirty="0" smtClean="0"/>
-              <a:t> the </a:t>
-            </a:r>
-            <a:r>
-              <a:rPr lang="fr-CA" dirty="0" smtClean="0"/>
-              <a:t>minimum value. </a:t>
-            </a:r>
-            <a:r>
-              <a:rPr lang="fr-CA" dirty="0" smtClean="0"/>
-              <a:t>Max the </a:t>
+              <a:t> the minimum value. Max the </a:t>
             </a:r>
             <a:r>
               <a:rPr lang="fr-CA" dirty="0" err="1" smtClean="0"/>
@@ -4426,13 +4411,8 @@
             </a:r>
             <a:r>
               <a:rPr lang="fr-CA" dirty="0" smtClean="0"/>
-              <a:t> the </a:t>
-            </a:r>
-            <a:r>
-              <a:rPr lang="fr-CA" dirty="0" smtClean="0"/>
-              <a:t>maximal value.</a:t>
-            </a:r>
-            <a:endParaRPr lang="fr-CA" dirty="0" smtClean="0"/>
+              <a:t> the maximal value.</a:t>
+            </a:r>
           </a:p>
           <a:p>
             <a:pPr lvl="1"/>
@@ -5088,1639 +5068,30 @@
       </p:sp>
       <p:sp>
         <p:nvSpPr>
-          <p:cNvPr id="4" name="Rectangle 3"/>
+          <p:cNvPr id="3" name="Rectangle 2"/>
           <p:cNvSpPr/>
           <p:nvPr/>
         </p:nvSpPr>
         <p:spPr>
           <a:xfrm>
-            <a:off x="838200" y="1470300"/>
-            <a:ext cx="6096000" cy="5078313"/>
+            <a:off x="537557" y="1991930"/>
+            <a:ext cx="8273934" cy="369332"/>
           </a:xfrm>
           <a:prstGeom prst="rect">
             <a:avLst/>
           </a:prstGeom>
         </p:spPr>
         <p:txBody>
-          <a:bodyPr>
+          <a:bodyPr wrap="square">
             <a:spAutoFit/>
           </a:bodyPr>
           <a:lstStyle/>
           <a:p>
             <a:r>
-              <a:rPr lang="en-US" sz="900" dirty="0">
-                <a:solidFill>
-                  <a:srgbClr val="0000FF"/>
-                </a:solidFill>
-                <a:latin typeface="Consolas" panose="020B0609020204030204" pitchFamily="49" charset="0"/>
+              <a:rPr lang="en-US" dirty="0">
+                <a:hlinkClick r:id="rId2"/>
               </a:rPr>
-              <a:t>class</a:t>
-            </a:r>
-            <a:r>
-              <a:rPr lang="en-US" sz="900" dirty="0">
-                <a:solidFill>
-                  <a:srgbClr val="000000"/>
-                </a:solidFill>
-                <a:latin typeface="Consolas" panose="020B0609020204030204" pitchFamily="49" charset="0"/>
-              </a:rPr>
-              <a:t> </a:t>
-            </a:r>
-            <a:r>
-              <a:rPr lang="en-US" sz="900" dirty="0" err="1">
-                <a:solidFill>
-                  <a:srgbClr val="0000FF"/>
-                </a:solidFill>
-                <a:latin typeface="Consolas" panose="020B0609020204030204" pitchFamily="49" charset="0"/>
-              </a:rPr>
-              <a:t>BinaryHeap</a:t>
-            </a:r>
-            <a:endParaRPr lang="en-US" sz="900" dirty="0">
-              <a:solidFill>
-                <a:srgbClr val="000000"/>
-              </a:solidFill>
-              <a:latin typeface="Consolas" panose="020B0609020204030204" pitchFamily="49" charset="0"/>
-            </a:endParaRPr>
-          </a:p>
-          <a:p>
-            <a:r>
-              <a:rPr lang="en-US" sz="900" dirty="0">
-                <a:solidFill>
-                  <a:srgbClr val="000000"/>
-                </a:solidFill>
-                <a:latin typeface="Consolas" panose="020B0609020204030204" pitchFamily="49" charset="0"/>
-              </a:rPr>
-              <a:t>{</a:t>
-            </a:r>
-          </a:p>
-          <a:p>
-            <a:r>
-              <a:rPr lang="en-US" sz="900" dirty="0">
-                <a:solidFill>
-                  <a:srgbClr val="0000FF"/>
-                </a:solidFill>
-                <a:latin typeface="Consolas" panose="020B0609020204030204" pitchFamily="49" charset="0"/>
-              </a:rPr>
-              <a:t>public</a:t>
-            </a:r>
-            <a:r>
-              <a:rPr lang="en-US" sz="900" dirty="0">
-                <a:solidFill>
-                  <a:srgbClr val="000000"/>
-                </a:solidFill>
-                <a:latin typeface="Consolas" panose="020B0609020204030204" pitchFamily="49" charset="0"/>
-              </a:rPr>
-              <a:t>:</a:t>
-            </a:r>
-          </a:p>
-          <a:p>
-            <a:r>
-              <a:rPr lang="en-US" sz="900" dirty="0">
-                <a:solidFill>
-                  <a:srgbClr val="000000"/>
-                </a:solidFill>
-                <a:latin typeface="Consolas" panose="020B0609020204030204" pitchFamily="49" charset="0"/>
-              </a:rPr>
-              <a:t>    </a:t>
-            </a:r>
-            <a:r>
-              <a:rPr lang="en-US" sz="900" dirty="0" err="1">
-                <a:solidFill>
-                  <a:srgbClr val="0000FF"/>
-                </a:solidFill>
-                <a:latin typeface="Consolas" panose="020B0609020204030204" pitchFamily="49" charset="0"/>
-              </a:rPr>
-              <a:t>BinaryHeap</a:t>
-            </a:r>
-            <a:r>
-              <a:rPr lang="en-US" sz="900" dirty="0">
-                <a:solidFill>
-                  <a:srgbClr val="000000"/>
-                </a:solidFill>
-                <a:latin typeface="Consolas" panose="020B0609020204030204" pitchFamily="49" charset="0"/>
-              </a:rPr>
-              <a:t>(</a:t>
-            </a:r>
-            <a:r>
-              <a:rPr lang="en-US" sz="900" dirty="0" err="1">
-                <a:solidFill>
-                  <a:srgbClr val="0000FF"/>
-                </a:solidFill>
-                <a:latin typeface="Consolas" panose="020B0609020204030204" pitchFamily="49" charset="0"/>
-              </a:rPr>
-              <a:t>int</a:t>
-            </a:r>
-            <a:r>
-              <a:rPr lang="en-US" sz="900" dirty="0">
-                <a:solidFill>
-                  <a:srgbClr val="000000"/>
-                </a:solidFill>
-                <a:latin typeface="Consolas" panose="020B0609020204030204" pitchFamily="49" charset="0"/>
-              </a:rPr>
-              <a:t> </a:t>
-            </a:r>
-            <a:r>
-              <a:rPr lang="en-US" sz="900" dirty="0">
-                <a:solidFill>
-                  <a:srgbClr val="000080"/>
-                </a:solidFill>
-                <a:latin typeface="Consolas" panose="020B0609020204030204" pitchFamily="49" charset="0"/>
-              </a:rPr>
-              <a:t>size</a:t>
-            </a:r>
-            <a:r>
-              <a:rPr lang="en-US" sz="900" dirty="0">
-                <a:solidFill>
-                  <a:srgbClr val="000000"/>
-                </a:solidFill>
-                <a:latin typeface="Consolas" panose="020B0609020204030204" pitchFamily="49" charset="0"/>
-              </a:rPr>
-              <a:t>)</a:t>
-            </a:r>
-          </a:p>
-          <a:p>
-            <a:r>
-              <a:rPr lang="en-US" sz="900" dirty="0">
-                <a:solidFill>
-                  <a:srgbClr val="000000"/>
-                </a:solidFill>
-                <a:latin typeface="Consolas" panose="020B0609020204030204" pitchFamily="49" charset="0"/>
-              </a:rPr>
-              <a:t>        : </a:t>
-            </a:r>
-            <a:r>
-              <a:rPr lang="en-US" sz="900" dirty="0" err="1">
-                <a:solidFill>
-                  <a:srgbClr val="000080"/>
-                </a:solidFill>
-                <a:latin typeface="Consolas" panose="020B0609020204030204" pitchFamily="49" charset="0"/>
-              </a:rPr>
-              <a:t>m_Capactity</a:t>
-            </a:r>
-            <a:r>
-              <a:rPr lang="en-US" sz="900" dirty="0">
-                <a:solidFill>
-                  <a:srgbClr val="000000"/>
-                </a:solidFill>
-                <a:latin typeface="Consolas" panose="020B0609020204030204" pitchFamily="49" charset="0"/>
-              </a:rPr>
-              <a:t>(</a:t>
-            </a:r>
-            <a:r>
-              <a:rPr lang="en-US" sz="900" dirty="0">
-                <a:solidFill>
-                  <a:srgbClr val="000080"/>
-                </a:solidFill>
-                <a:latin typeface="Consolas" panose="020B0609020204030204" pitchFamily="49" charset="0"/>
-              </a:rPr>
-              <a:t>size</a:t>
-            </a:r>
-            <a:r>
-              <a:rPr lang="en-US" sz="900" dirty="0">
-                <a:solidFill>
-                  <a:srgbClr val="000000"/>
-                </a:solidFill>
-                <a:latin typeface="Consolas" panose="020B0609020204030204" pitchFamily="49" charset="0"/>
-              </a:rPr>
-              <a:t>)</a:t>
-            </a:r>
-          </a:p>
-          <a:p>
-            <a:r>
-              <a:rPr lang="en-US" sz="900" dirty="0">
-                <a:solidFill>
-                  <a:srgbClr val="000000"/>
-                </a:solidFill>
-                <a:latin typeface="Consolas" panose="020B0609020204030204" pitchFamily="49" charset="0"/>
-              </a:rPr>
-              <a:t>        , </a:t>
-            </a:r>
-            <a:r>
-              <a:rPr lang="en-US" sz="900" dirty="0" err="1">
-                <a:solidFill>
-                  <a:srgbClr val="000080"/>
-                </a:solidFill>
-                <a:latin typeface="Consolas" panose="020B0609020204030204" pitchFamily="49" charset="0"/>
-              </a:rPr>
-              <a:t>m_Count</a:t>
-            </a:r>
-            <a:r>
-              <a:rPr lang="en-US" sz="900" dirty="0">
-                <a:solidFill>
-                  <a:srgbClr val="000000"/>
-                </a:solidFill>
-                <a:latin typeface="Consolas" panose="020B0609020204030204" pitchFamily="49" charset="0"/>
-              </a:rPr>
-              <a:t>(0)</a:t>
-            </a:r>
-          </a:p>
-          <a:p>
-            <a:r>
-              <a:rPr lang="en-US" sz="900" dirty="0">
-                <a:solidFill>
-                  <a:srgbClr val="000000"/>
-                </a:solidFill>
-                <a:latin typeface="Consolas" panose="020B0609020204030204" pitchFamily="49" charset="0"/>
-              </a:rPr>
-              <a:t>    {</a:t>
-            </a:r>
-          </a:p>
-          <a:p>
-            <a:r>
-              <a:rPr lang="en-US" sz="900" dirty="0">
-                <a:solidFill>
-                  <a:srgbClr val="000000"/>
-                </a:solidFill>
-                <a:latin typeface="Consolas" panose="020B0609020204030204" pitchFamily="49" charset="0"/>
-              </a:rPr>
-              <a:t>        </a:t>
-            </a:r>
-            <a:r>
-              <a:rPr lang="en-US" sz="900" dirty="0" err="1">
-                <a:solidFill>
-                  <a:srgbClr val="000080"/>
-                </a:solidFill>
-                <a:latin typeface="Consolas" panose="020B0609020204030204" pitchFamily="49" charset="0"/>
-              </a:rPr>
-              <a:t>m_Data</a:t>
-            </a:r>
-            <a:r>
-              <a:rPr lang="en-US" sz="900" dirty="0">
-                <a:solidFill>
-                  <a:srgbClr val="000000"/>
-                </a:solidFill>
-                <a:latin typeface="Consolas" panose="020B0609020204030204" pitchFamily="49" charset="0"/>
-              </a:rPr>
-              <a:t> = </a:t>
-            </a:r>
-            <a:r>
-              <a:rPr lang="en-US" sz="900" dirty="0">
-                <a:solidFill>
-                  <a:srgbClr val="0000FF"/>
-                </a:solidFill>
-                <a:latin typeface="Consolas" panose="020B0609020204030204" pitchFamily="49" charset="0"/>
-              </a:rPr>
-              <a:t>new</a:t>
-            </a:r>
-            <a:r>
-              <a:rPr lang="en-US" sz="900" dirty="0">
-                <a:solidFill>
-                  <a:srgbClr val="000000"/>
-                </a:solidFill>
-                <a:latin typeface="Consolas" panose="020B0609020204030204" pitchFamily="49" charset="0"/>
-              </a:rPr>
-              <a:t> </a:t>
-            </a:r>
-            <a:r>
-              <a:rPr lang="en-US" sz="900" dirty="0" err="1">
-                <a:solidFill>
-                  <a:srgbClr val="0000FF"/>
-                </a:solidFill>
-                <a:latin typeface="Consolas" panose="020B0609020204030204" pitchFamily="49" charset="0"/>
-              </a:rPr>
-              <a:t>int</a:t>
-            </a:r>
-            <a:r>
-              <a:rPr lang="en-US" sz="900" dirty="0">
-                <a:solidFill>
-                  <a:srgbClr val="000000"/>
-                </a:solidFill>
-                <a:latin typeface="Consolas" panose="020B0609020204030204" pitchFamily="49" charset="0"/>
-              </a:rPr>
-              <a:t>[</a:t>
-            </a:r>
-            <a:r>
-              <a:rPr lang="en-US" sz="900" dirty="0">
-                <a:solidFill>
-                  <a:srgbClr val="000080"/>
-                </a:solidFill>
-                <a:latin typeface="Consolas" panose="020B0609020204030204" pitchFamily="49" charset="0"/>
-              </a:rPr>
-              <a:t>size</a:t>
-            </a:r>
-            <a:r>
-              <a:rPr lang="en-US" sz="900" dirty="0">
-                <a:solidFill>
-                  <a:srgbClr val="000000"/>
-                </a:solidFill>
-                <a:latin typeface="Consolas" panose="020B0609020204030204" pitchFamily="49" charset="0"/>
-              </a:rPr>
-              <a:t>];</a:t>
-            </a:r>
-          </a:p>
-          <a:p>
-            <a:r>
-              <a:rPr lang="en-US" sz="900" dirty="0">
-                <a:solidFill>
-                  <a:srgbClr val="000000"/>
-                </a:solidFill>
-                <a:latin typeface="Consolas" panose="020B0609020204030204" pitchFamily="49" charset="0"/>
-              </a:rPr>
-              <a:t>    }</a:t>
-            </a:r>
-          </a:p>
-          <a:p>
-            <a:endParaRPr lang="en-US" sz="900" dirty="0">
-              <a:solidFill>
-                <a:srgbClr val="000000"/>
-              </a:solidFill>
-              <a:latin typeface="Consolas" panose="020B0609020204030204" pitchFamily="49" charset="0"/>
-            </a:endParaRPr>
-          </a:p>
-          <a:p>
-            <a:r>
-              <a:rPr lang="en-US" sz="900" dirty="0">
-                <a:solidFill>
-                  <a:srgbClr val="000000"/>
-                </a:solidFill>
-                <a:latin typeface="Consolas" panose="020B0609020204030204" pitchFamily="49" charset="0"/>
-              </a:rPr>
-              <a:t>    </a:t>
-            </a:r>
-            <a:r>
-              <a:rPr lang="en-US" sz="900" dirty="0" err="1">
-                <a:solidFill>
-                  <a:srgbClr val="0000FF"/>
-                </a:solidFill>
-                <a:latin typeface="Consolas" panose="020B0609020204030204" pitchFamily="49" charset="0"/>
-              </a:rPr>
-              <a:t>int</a:t>
-            </a:r>
-            <a:r>
-              <a:rPr lang="en-US" sz="900" dirty="0">
-                <a:solidFill>
-                  <a:srgbClr val="000000"/>
-                </a:solidFill>
-                <a:latin typeface="Consolas" panose="020B0609020204030204" pitchFamily="49" charset="0"/>
-              </a:rPr>
-              <a:t> </a:t>
-            </a:r>
-            <a:r>
-              <a:rPr lang="en-US" sz="900" dirty="0" err="1">
-                <a:solidFill>
-                  <a:srgbClr val="880000"/>
-                </a:solidFill>
-                <a:latin typeface="Consolas" panose="020B0609020204030204" pitchFamily="49" charset="0"/>
-              </a:rPr>
-              <a:t>GetParent</a:t>
-            </a:r>
-            <a:r>
-              <a:rPr lang="en-US" sz="900" dirty="0">
-                <a:solidFill>
-                  <a:srgbClr val="000000"/>
-                </a:solidFill>
-                <a:latin typeface="Consolas" panose="020B0609020204030204" pitchFamily="49" charset="0"/>
-              </a:rPr>
-              <a:t>(</a:t>
-            </a:r>
-            <a:r>
-              <a:rPr lang="en-US" sz="900" dirty="0" err="1">
-                <a:solidFill>
-                  <a:srgbClr val="0000FF"/>
-                </a:solidFill>
-                <a:latin typeface="Consolas" panose="020B0609020204030204" pitchFamily="49" charset="0"/>
-              </a:rPr>
-              <a:t>int</a:t>
-            </a:r>
-            <a:r>
-              <a:rPr lang="en-US" sz="900" dirty="0">
-                <a:solidFill>
-                  <a:srgbClr val="000000"/>
-                </a:solidFill>
-                <a:latin typeface="Consolas" panose="020B0609020204030204" pitchFamily="49" charset="0"/>
-              </a:rPr>
-              <a:t> </a:t>
-            </a:r>
-            <a:r>
-              <a:rPr lang="en-US" sz="900" dirty="0" err="1">
-                <a:solidFill>
-                  <a:srgbClr val="000080"/>
-                </a:solidFill>
-                <a:latin typeface="Consolas" panose="020B0609020204030204" pitchFamily="49" charset="0"/>
-              </a:rPr>
-              <a:t>i</a:t>
-            </a:r>
-            <a:r>
-              <a:rPr lang="en-US" sz="900" dirty="0">
-                <a:solidFill>
-                  <a:srgbClr val="000000"/>
-                </a:solidFill>
-                <a:latin typeface="Consolas" panose="020B0609020204030204" pitchFamily="49" charset="0"/>
-              </a:rPr>
-              <a:t>) { </a:t>
-            </a:r>
-            <a:r>
-              <a:rPr lang="en-US" sz="900" dirty="0">
-                <a:solidFill>
-                  <a:srgbClr val="0000FF"/>
-                </a:solidFill>
-                <a:latin typeface="Consolas" panose="020B0609020204030204" pitchFamily="49" charset="0"/>
-              </a:rPr>
-              <a:t>return</a:t>
-            </a:r>
-            <a:r>
-              <a:rPr lang="en-US" sz="900" dirty="0">
-                <a:solidFill>
-                  <a:srgbClr val="000000"/>
-                </a:solidFill>
-                <a:latin typeface="Consolas" panose="020B0609020204030204" pitchFamily="49" charset="0"/>
-              </a:rPr>
-              <a:t> (</a:t>
-            </a:r>
-            <a:r>
-              <a:rPr lang="en-US" sz="900" dirty="0" err="1">
-                <a:solidFill>
-                  <a:srgbClr val="000080"/>
-                </a:solidFill>
-                <a:latin typeface="Consolas" panose="020B0609020204030204" pitchFamily="49" charset="0"/>
-              </a:rPr>
-              <a:t>i</a:t>
-            </a:r>
-            <a:r>
-              <a:rPr lang="en-US" sz="900" dirty="0">
-                <a:solidFill>
-                  <a:srgbClr val="000000"/>
-                </a:solidFill>
-                <a:latin typeface="Consolas" panose="020B0609020204030204" pitchFamily="49" charset="0"/>
-              </a:rPr>
-              <a:t> - 1) / 2; }</a:t>
-            </a:r>
-          </a:p>
-          <a:p>
-            <a:r>
-              <a:rPr lang="en-US" sz="900" dirty="0">
-                <a:solidFill>
-                  <a:srgbClr val="000000"/>
-                </a:solidFill>
-                <a:latin typeface="Consolas" panose="020B0609020204030204" pitchFamily="49" charset="0"/>
-              </a:rPr>
-              <a:t>    </a:t>
-            </a:r>
-            <a:r>
-              <a:rPr lang="en-US" sz="900" dirty="0" err="1">
-                <a:solidFill>
-                  <a:srgbClr val="0000FF"/>
-                </a:solidFill>
-                <a:latin typeface="Consolas" panose="020B0609020204030204" pitchFamily="49" charset="0"/>
-              </a:rPr>
-              <a:t>int</a:t>
-            </a:r>
-            <a:r>
-              <a:rPr lang="en-US" sz="900" dirty="0">
-                <a:solidFill>
-                  <a:srgbClr val="000000"/>
-                </a:solidFill>
-                <a:latin typeface="Consolas" panose="020B0609020204030204" pitchFamily="49" charset="0"/>
-              </a:rPr>
-              <a:t> </a:t>
-            </a:r>
-            <a:r>
-              <a:rPr lang="en-US" sz="900" dirty="0" err="1">
-                <a:solidFill>
-                  <a:srgbClr val="880000"/>
-                </a:solidFill>
-                <a:latin typeface="Consolas" panose="020B0609020204030204" pitchFamily="49" charset="0"/>
-              </a:rPr>
-              <a:t>GetLeft</a:t>
-            </a:r>
-            <a:r>
-              <a:rPr lang="en-US" sz="900" dirty="0">
-                <a:solidFill>
-                  <a:srgbClr val="000000"/>
-                </a:solidFill>
-                <a:latin typeface="Consolas" panose="020B0609020204030204" pitchFamily="49" charset="0"/>
-              </a:rPr>
-              <a:t>(</a:t>
-            </a:r>
-            <a:r>
-              <a:rPr lang="en-US" sz="900" dirty="0" err="1">
-                <a:solidFill>
-                  <a:srgbClr val="0000FF"/>
-                </a:solidFill>
-                <a:latin typeface="Consolas" panose="020B0609020204030204" pitchFamily="49" charset="0"/>
-              </a:rPr>
-              <a:t>int</a:t>
-            </a:r>
-            <a:r>
-              <a:rPr lang="en-US" sz="900" dirty="0">
-                <a:solidFill>
-                  <a:srgbClr val="000000"/>
-                </a:solidFill>
-                <a:latin typeface="Consolas" panose="020B0609020204030204" pitchFamily="49" charset="0"/>
-              </a:rPr>
-              <a:t> </a:t>
-            </a:r>
-            <a:r>
-              <a:rPr lang="en-US" sz="900" dirty="0" err="1">
-                <a:solidFill>
-                  <a:srgbClr val="000080"/>
-                </a:solidFill>
-                <a:latin typeface="Consolas" panose="020B0609020204030204" pitchFamily="49" charset="0"/>
-              </a:rPr>
-              <a:t>i</a:t>
-            </a:r>
-            <a:r>
-              <a:rPr lang="en-US" sz="900" dirty="0">
-                <a:solidFill>
-                  <a:srgbClr val="000000"/>
-                </a:solidFill>
-                <a:latin typeface="Consolas" panose="020B0609020204030204" pitchFamily="49" charset="0"/>
-              </a:rPr>
-              <a:t>) { </a:t>
-            </a:r>
-            <a:r>
-              <a:rPr lang="en-US" sz="900" dirty="0">
-                <a:solidFill>
-                  <a:srgbClr val="0000FF"/>
-                </a:solidFill>
-                <a:latin typeface="Consolas" panose="020B0609020204030204" pitchFamily="49" charset="0"/>
-              </a:rPr>
-              <a:t>return</a:t>
-            </a:r>
-            <a:r>
-              <a:rPr lang="en-US" sz="900" dirty="0">
-                <a:solidFill>
-                  <a:srgbClr val="000000"/>
-                </a:solidFill>
-                <a:latin typeface="Consolas" panose="020B0609020204030204" pitchFamily="49" charset="0"/>
-              </a:rPr>
-              <a:t> (2 * </a:t>
-            </a:r>
-            <a:r>
-              <a:rPr lang="en-US" sz="900" dirty="0" err="1">
-                <a:solidFill>
-                  <a:srgbClr val="000080"/>
-                </a:solidFill>
-                <a:latin typeface="Consolas" panose="020B0609020204030204" pitchFamily="49" charset="0"/>
-              </a:rPr>
-              <a:t>i</a:t>
-            </a:r>
-            <a:r>
-              <a:rPr lang="en-US" sz="900" dirty="0">
-                <a:solidFill>
-                  <a:srgbClr val="000000"/>
-                </a:solidFill>
-                <a:latin typeface="Consolas" panose="020B0609020204030204" pitchFamily="49" charset="0"/>
-              </a:rPr>
-              <a:t> + 1); }</a:t>
-            </a:r>
-          </a:p>
-          <a:p>
-            <a:r>
-              <a:rPr lang="en-US" sz="900" dirty="0">
-                <a:solidFill>
-                  <a:srgbClr val="000000"/>
-                </a:solidFill>
-                <a:latin typeface="Consolas" panose="020B0609020204030204" pitchFamily="49" charset="0"/>
-              </a:rPr>
-              <a:t>    </a:t>
-            </a:r>
-            <a:r>
-              <a:rPr lang="en-US" sz="900" dirty="0" err="1">
-                <a:solidFill>
-                  <a:srgbClr val="0000FF"/>
-                </a:solidFill>
-                <a:latin typeface="Consolas" panose="020B0609020204030204" pitchFamily="49" charset="0"/>
-              </a:rPr>
-              <a:t>int</a:t>
-            </a:r>
-            <a:r>
-              <a:rPr lang="en-US" sz="900" dirty="0">
-                <a:solidFill>
-                  <a:srgbClr val="000000"/>
-                </a:solidFill>
-                <a:latin typeface="Consolas" panose="020B0609020204030204" pitchFamily="49" charset="0"/>
-              </a:rPr>
-              <a:t> </a:t>
-            </a:r>
-            <a:r>
-              <a:rPr lang="en-US" sz="900" dirty="0" err="1">
-                <a:solidFill>
-                  <a:srgbClr val="880000"/>
-                </a:solidFill>
-                <a:latin typeface="Consolas" panose="020B0609020204030204" pitchFamily="49" charset="0"/>
-              </a:rPr>
-              <a:t>GetRight</a:t>
-            </a:r>
-            <a:r>
-              <a:rPr lang="en-US" sz="900" dirty="0">
-                <a:solidFill>
-                  <a:srgbClr val="000000"/>
-                </a:solidFill>
-                <a:latin typeface="Consolas" panose="020B0609020204030204" pitchFamily="49" charset="0"/>
-              </a:rPr>
-              <a:t>(</a:t>
-            </a:r>
-            <a:r>
-              <a:rPr lang="en-US" sz="900" dirty="0" err="1">
-                <a:solidFill>
-                  <a:srgbClr val="0000FF"/>
-                </a:solidFill>
-                <a:latin typeface="Consolas" panose="020B0609020204030204" pitchFamily="49" charset="0"/>
-              </a:rPr>
-              <a:t>int</a:t>
-            </a:r>
-            <a:r>
-              <a:rPr lang="en-US" sz="900" dirty="0">
-                <a:solidFill>
-                  <a:srgbClr val="000000"/>
-                </a:solidFill>
-                <a:latin typeface="Consolas" panose="020B0609020204030204" pitchFamily="49" charset="0"/>
-              </a:rPr>
-              <a:t> </a:t>
-            </a:r>
-            <a:r>
-              <a:rPr lang="en-US" sz="900" dirty="0" err="1">
-                <a:solidFill>
-                  <a:srgbClr val="000080"/>
-                </a:solidFill>
-                <a:latin typeface="Consolas" panose="020B0609020204030204" pitchFamily="49" charset="0"/>
-              </a:rPr>
-              <a:t>i</a:t>
-            </a:r>
-            <a:r>
-              <a:rPr lang="en-US" sz="900" dirty="0">
-                <a:solidFill>
-                  <a:srgbClr val="000000"/>
-                </a:solidFill>
-                <a:latin typeface="Consolas" panose="020B0609020204030204" pitchFamily="49" charset="0"/>
-              </a:rPr>
-              <a:t>) { </a:t>
-            </a:r>
-            <a:r>
-              <a:rPr lang="en-US" sz="900" dirty="0">
-                <a:solidFill>
-                  <a:srgbClr val="0000FF"/>
-                </a:solidFill>
-                <a:latin typeface="Consolas" panose="020B0609020204030204" pitchFamily="49" charset="0"/>
-              </a:rPr>
-              <a:t>return</a:t>
-            </a:r>
-            <a:r>
-              <a:rPr lang="en-US" sz="900" dirty="0">
-                <a:solidFill>
-                  <a:srgbClr val="000000"/>
-                </a:solidFill>
-                <a:latin typeface="Consolas" panose="020B0609020204030204" pitchFamily="49" charset="0"/>
-              </a:rPr>
-              <a:t> (2 * </a:t>
-            </a:r>
-            <a:r>
-              <a:rPr lang="en-US" sz="900" dirty="0" err="1">
-                <a:solidFill>
-                  <a:srgbClr val="000080"/>
-                </a:solidFill>
-                <a:latin typeface="Consolas" panose="020B0609020204030204" pitchFamily="49" charset="0"/>
-              </a:rPr>
-              <a:t>i</a:t>
-            </a:r>
-            <a:r>
-              <a:rPr lang="en-US" sz="900" dirty="0">
-                <a:solidFill>
-                  <a:srgbClr val="000000"/>
-                </a:solidFill>
-                <a:latin typeface="Consolas" panose="020B0609020204030204" pitchFamily="49" charset="0"/>
-              </a:rPr>
-              <a:t> + 2); }</a:t>
-            </a:r>
-          </a:p>
-          <a:p>
-            <a:endParaRPr lang="en-US" sz="900" dirty="0">
-              <a:solidFill>
-                <a:srgbClr val="000000"/>
-              </a:solidFill>
-              <a:latin typeface="Consolas" panose="020B0609020204030204" pitchFamily="49" charset="0"/>
-            </a:endParaRPr>
-          </a:p>
-          <a:p>
-            <a:r>
-              <a:rPr lang="en-US" sz="900" dirty="0">
-                <a:solidFill>
-                  <a:srgbClr val="000000"/>
-                </a:solidFill>
-                <a:latin typeface="Consolas" panose="020B0609020204030204" pitchFamily="49" charset="0"/>
-              </a:rPr>
-              <a:t>    </a:t>
-            </a:r>
-            <a:r>
-              <a:rPr lang="en-US" sz="900" dirty="0" err="1">
-                <a:solidFill>
-                  <a:srgbClr val="0000FF"/>
-                </a:solidFill>
-                <a:latin typeface="Consolas" panose="020B0609020204030204" pitchFamily="49" charset="0"/>
-              </a:rPr>
-              <a:t>int</a:t>
-            </a:r>
-            <a:r>
-              <a:rPr lang="en-US" sz="900" dirty="0">
-                <a:solidFill>
-                  <a:srgbClr val="000000"/>
-                </a:solidFill>
-                <a:latin typeface="Consolas" panose="020B0609020204030204" pitchFamily="49" charset="0"/>
-              </a:rPr>
-              <a:t> </a:t>
-            </a:r>
-            <a:r>
-              <a:rPr lang="en-US" sz="900" dirty="0" err="1">
-                <a:solidFill>
-                  <a:srgbClr val="880000"/>
-                </a:solidFill>
-                <a:latin typeface="Consolas" panose="020B0609020204030204" pitchFamily="49" charset="0"/>
-              </a:rPr>
-              <a:t>ExtactMin</a:t>
-            </a:r>
-            <a:r>
-              <a:rPr lang="en-US" sz="900" dirty="0">
-                <a:solidFill>
-                  <a:srgbClr val="000000"/>
-                </a:solidFill>
-                <a:latin typeface="Consolas" panose="020B0609020204030204" pitchFamily="49" charset="0"/>
-              </a:rPr>
-              <a:t>();</a:t>
-            </a:r>
-          </a:p>
-          <a:p>
-            <a:r>
-              <a:rPr lang="en-US" sz="900" dirty="0">
-                <a:solidFill>
-                  <a:srgbClr val="000000"/>
-                </a:solidFill>
-                <a:latin typeface="Consolas" panose="020B0609020204030204" pitchFamily="49" charset="0"/>
-              </a:rPr>
-              <a:t>    </a:t>
-            </a:r>
-            <a:r>
-              <a:rPr lang="en-US" sz="900" dirty="0" err="1">
-                <a:solidFill>
-                  <a:srgbClr val="0000FF"/>
-                </a:solidFill>
-                <a:latin typeface="Consolas" panose="020B0609020204030204" pitchFamily="49" charset="0"/>
-              </a:rPr>
-              <a:t>int</a:t>
-            </a:r>
-            <a:r>
-              <a:rPr lang="en-US" sz="900" dirty="0">
-                <a:solidFill>
-                  <a:srgbClr val="000000"/>
-                </a:solidFill>
-                <a:latin typeface="Consolas" panose="020B0609020204030204" pitchFamily="49" charset="0"/>
-              </a:rPr>
-              <a:t> </a:t>
-            </a:r>
-            <a:r>
-              <a:rPr lang="en-US" sz="900" dirty="0" err="1">
-                <a:solidFill>
-                  <a:srgbClr val="880000"/>
-                </a:solidFill>
-                <a:latin typeface="Consolas" panose="020B0609020204030204" pitchFamily="49" charset="0"/>
-              </a:rPr>
-              <a:t>GetMin</a:t>
-            </a:r>
-            <a:r>
-              <a:rPr lang="en-US" sz="900" dirty="0">
-                <a:solidFill>
-                  <a:srgbClr val="000000"/>
-                </a:solidFill>
-                <a:latin typeface="Consolas" panose="020B0609020204030204" pitchFamily="49" charset="0"/>
-              </a:rPr>
-              <a:t>() { </a:t>
-            </a:r>
-            <a:r>
-              <a:rPr lang="en-US" sz="900" dirty="0">
-                <a:solidFill>
-                  <a:srgbClr val="0000FF"/>
-                </a:solidFill>
-                <a:latin typeface="Consolas" panose="020B0609020204030204" pitchFamily="49" charset="0"/>
-              </a:rPr>
-              <a:t>return</a:t>
-            </a:r>
-            <a:r>
-              <a:rPr lang="en-US" sz="900" dirty="0">
-                <a:solidFill>
-                  <a:srgbClr val="000000"/>
-                </a:solidFill>
-                <a:latin typeface="Consolas" panose="020B0609020204030204" pitchFamily="49" charset="0"/>
-              </a:rPr>
-              <a:t> </a:t>
-            </a:r>
-            <a:r>
-              <a:rPr lang="en-US" sz="900" dirty="0" err="1">
-                <a:solidFill>
-                  <a:srgbClr val="000080"/>
-                </a:solidFill>
-                <a:latin typeface="Consolas" panose="020B0609020204030204" pitchFamily="49" charset="0"/>
-              </a:rPr>
-              <a:t>m_Data</a:t>
-            </a:r>
-            <a:r>
-              <a:rPr lang="en-US" sz="900" dirty="0">
-                <a:solidFill>
-                  <a:srgbClr val="000000"/>
-                </a:solidFill>
-                <a:latin typeface="Consolas" panose="020B0609020204030204" pitchFamily="49" charset="0"/>
-              </a:rPr>
-              <a:t>[0]; }</a:t>
-            </a:r>
-          </a:p>
-          <a:p>
-            <a:r>
-              <a:rPr lang="en-US" sz="900" dirty="0">
-                <a:solidFill>
-                  <a:srgbClr val="000000"/>
-                </a:solidFill>
-                <a:latin typeface="Consolas" panose="020B0609020204030204" pitchFamily="49" charset="0"/>
-              </a:rPr>
-              <a:t>    </a:t>
-            </a:r>
-            <a:r>
-              <a:rPr lang="en-US" sz="900" dirty="0">
-                <a:solidFill>
-                  <a:srgbClr val="0000FF"/>
-                </a:solidFill>
-                <a:latin typeface="Consolas" panose="020B0609020204030204" pitchFamily="49" charset="0"/>
-              </a:rPr>
-              <a:t>void</a:t>
-            </a:r>
-            <a:r>
-              <a:rPr lang="en-US" sz="900" dirty="0">
-                <a:solidFill>
-                  <a:srgbClr val="000000"/>
-                </a:solidFill>
-                <a:latin typeface="Consolas" panose="020B0609020204030204" pitchFamily="49" charset="0"/>
-              </a:rPr>
-              <a:t> </a:t>
-            </a:r>
-            <a:r>
-              <a:rPr lang="en-US" sz="900" dirty="0" err="1">
-                <a:solidFill>
-                  <a:srgbClr val="880000"/>
-                </a:solidFill>
-                <a:latin typeface="Consolas" panose="020B0609020204030204" pitchFamily="49" charset="0"/>
-              </a:rPr>
-              <a:t>DeleteAtIndex</a:t>
-            </a:r>
-            <a:r>
-              <a:rPr lang="en-US" sz="900" dirty="0">
-                <a:solidFill>
-                  <a:srgbClr val="000000"/>
-                </a:solidFill>
-                <a:latin typeface="Consolas" panose="020B0609020204030204" pitchFamily="49" charset="0"/>
-              </a:rPr>
-              <a:t>(</a:t>
-            </a:r>
-            <a:r>
-              <a:rPr lang="en-US" sz="900" dirty="0" err="1">
-                <a:solidFill>
-                  <a:srgbClr val="0000FF"/>
-                </a:solidFill>
-                <a:latin typeface="Consolas" panose="020B0609020204030204" pitchFamily="49" charset="0"/>
-              </a:rPr>
-              <a:t>int</a:t>
-            </a:r>
-            <a:r>
-              <a:rPr lang="en-US" sz="900" dirty="0">
-                <a:solidFill>
-                  <a:srgbClr val="000000"/>
-                </a:solidFill>
-                <a:latin typeface="Consolas" panose="020B0609020204030204" pitchFamily="49" charset="0"/>
-              </a:rPr>
-              <a:t> </a:t>
-            </a:r>
-            <a:r>
-              <a:rPr lang="en-US" sz="900" dirty="0" err="1">
-                <a:solidFill>
-                  <a:srgbClr val="000080"/>
-                </a:solidFill>
-                <a:latin typeface="Consolas" panose="020B0609020204030204" pitchFamily="49" charset="0"/>
-              </a:rPr>
-              <a:t>i</a:t>
-            </a:r>
-            <a:r>
-              <a:rPr lang="en-US" sz="900" dirty="0">
-                <a:solidFill>
-                  <a:srgbClr val="000000"/>
-                </a:solidFill>
-                <a:latin typeface="Consolas" panose="020B0609020204030204" pitchFamily="49" charset="0"/>
-              </a:rPr>
-              <a:t>);</a:t>
-            </a:r>
-          </a:p>
-          <a:p>
-            <a:r>
-              <a:rPr lang="en-US" sz="900" dirty="0">
-                <a:solidFill>
-                  <a:srgbClr val="000000"/>
-                </a:solidFill>
-                <a:latin typeface="Consolas" panose="020B0609020204030204" pitchFamily="49" charset="0"/>
-              </a:rPr>
-              <a:t>    </a:t>
-            </a:r>
-            <a:r>
-              <a:rPr lang="en-US" sz="900" dirty="0">
-                <a:solidFill>
-                  <a:srgbClr val="0000FF"/>
-                </a:solidFill>
-                <a:latin typeface="Consolas" panose="020B0609020204030204" pitchFamily="49" charset="0"/>
-              </a:rPr>
-              <a:t>void</a:t>
-            </a:r>
-            <a:r>
-              <a:rPr lang="en-US" sz="900" dirty="0">
-                <a:solidFill>
-                  <a:srgbClr val="000000"/>
-                </a:solidFill>
-                <a:latin typeface="Consolas" panose="020B0609020204030204" pitchFamily="49" charset="0"/>
-              </a:rPr>
-              <a:t> </a:t>
-            </a:r>
-            <a:r>
-              <a:rPr lang="en-US" sz="900" dirty="0" err="1">
-                <a:solidFill>
-                  <a:srgbClr val="880000"/>
-                </a:solidFill>
-                <a:latin typeface="Consolas" panose="020B0609020204030204" pitchFamily="49" charset="0"/>
-              </a:rPr>
-              <a:t>InsertValue</a:t>
-            </a:r>
-            <a:r>
-              <a:rPr lang="en-US" sz="900" dirty="0">
-                <a:solidFill>
-                  <a:srgbClr val="000000"/>
-                </a:solidFill>
-                <a:latin typeface="Consolas" panose="020B0609020204030204" pitchFamily="49" charset="0"/>
-              </a:rPr>
-              <a:t>(</a:t>
-            </a:r>
-            <a:r>
-              <a:rPr lang="en-US" sz="900" dirty="0" err="1">
-                <a:solidFill>
-                  <a:srgbClr val="0000FF"/>
-                </a:solidFill>
-                <a:latin typeface="Consolas" panose="020B0609020204030204" pitchFamily="49" charset="0"/>
-              </a:rPr>
-              <a:t>int</a:t>
-            </a:r>
-            <a:r>
-              <a:rPr lang="en-US" sz="900" dirty="0">
-                <a:solidFill>
-                  <a:srgbClr val="000000"/>
-                </a:solidFill>
-                <a:latin typeface="Consolas" panose="020B0609020204030204" pitchFamily="49" charset="0"/>
-              </a:rPr>
-              <a:t> </a:t>
-            </a:r>
-            <a:r>
-              <a:rPr lang="en-US" sz="900" dirty="0">
-                <a:solidFill>
-                  <a:srgbClr val="000080"/>
-                </a:solidFill>
-                <a:latin typeface="Consolas" panose="020B0609020204030204" pitchFamily="49" charset="0"/>
-              </a:rPr>
-              <a:t>value</a:t>
-            </a:r>
-            <a:r>
-              <a:rPr lang="en-US" sz="900" dirty="0">
-                <a:solidFill>
-                  <a:srgbClr val="000000"/>
-                </a:solidFill>
-                <a:latin typeface="Consolas" panose="020B0609020204030204" pitchFamily="49" charset="0"/>
-              </a:rPr>
-              <a:t>);</a:t>
-            </a:r>
-          </a:p>
-          <a:p>
-            <a:endParaRPr lang="en-US" sz="900" dirty="0">
-              <a:solidFill>
-                <a:srgbClr val="000000"/>
-              </a:solidFill>
-              <a:latin typeface="Consolas" panose="020B0609020204030204" pitchFamily="49" charset="0"/>
-            </a:endParaRPr>
-          </a:p>
-          <a:p>
-            <a:r>
-              <a:rPr lang="en-US" sz="900" dirty="0">
-                <a:solidFill>
-                  <a:srgbClr val="0000FF"/>
-                </a:solidFill>
-                <a:latin typeface="Consolas" panose="020B0609020204030204" pitchFamily="49" charset="0"/>
-              </a:rPr>
-              <a:t>private</a:t>
-            </a:r>
-            <a:r>
-              <a:rPr lang="en-US" sz="900" dirty="0">
-                <a:solidFill>
-                  <a:srgbClr val="000000"/>
-                </a:solidFill>
-                <a:latin typeface="Consolas" panose="020B0609020204030204" pitchFamily="49" charset="0"/>
-              </a:rPr>
-              <a:t>:</a:t>
-            </a:r>
-          </a:p>
-          <a:p>
-            <a:r>
-              <a:rPr lang="en-US" sz="900" dirty="0">
-                <a:solidFill>
-                  <a:srgbClr val="000000"/>
-                </a:solidFill>
-                <a:latin typeface="Consolas" panose="020B0609020204030204" pitchFamily="49" charset="0"/>
-              </a:rPr>
-              <a:t>    </a:t>
-            </a:r>
-          </a:p>
-          <a:p>
-            <a:r>
-              <a:rPr lang="en-US" sz="900" dirty="0">
-                <a:solidFill>
-                  <a:srgbClr val="000000"/>
-                </a:solidFill>
-                <a:latin typeface="Consolas" panose="020B0609020204030204" pitchFamily="49" charset="0"/>
-              </a:rPr>
-              <a:t>    </a:t>
-            </a:r>
-            <a:r>
-              <a:rPr lang="en-US" sz="900" dirty="0">
-                <a:solidFill>
-                  <a:srgbClr val="0000FF"/>
-                </a:solidFill>
-                <a:latin typeface="Consolas" panose="020B0609020204030204" pitchFamily="49" charset="0"/>
-              </a:rPr>
-              <a:t>void</a:t>
-            </a:r>
-            <a:r>
-              <a:rPr lang="en-US" sz="900" dirty="0">
-                <a:solidFill>
-                  <a:srgbClr val="000000"/>
-                </a:solidFill>
-                <a:latin typeface="Consolas" panose="020B0609020204030204" pitchFamily="49" charset="0"/>
-              </a:rPr>
-              <a:t> </a:t>
-            </a:r>
-            <a:r>
-              <a:rPr lang="en-US" sz="900" dirty="0" err="1">
-                <a:solidFill>
-                  <a:srgbClr val="880000"/>
-                </a:solidFill>
-                <a:latin typeface="Consolas" panose="020B0609020204030204" pitchFamily="49" charset="0"/>
-              </a:rPr>
-              <a:t>Heapify</a:t>
-            </a:r>
-            <a:r>
-              <a:rPr lang="en-US" sz="900" dirty="0">
-                <a:solidFill>
-                  <a:srgbClr val="000000"/>
-                </a:solidFill>
-                <a:latin typeface="Consolas" panose="020B0609020204030204" pitchFamily="49" charset="0"/>
-              </a:rPr>
-              <a:t>(</a:t>
-            </a:r>
-            <a:r>
-              <a:rPr lang="en-US" sz="900" dirty="0" err="1">
-                <a:solidFill>
-                  <a:srgbClr val="0000FF"/>
-                </a:solidFill>
-                <a:latin typeface="Consolas" panose="020B0609020204030204" pitchFamily="49" charset="0"/>
-              </a:rPr>
-              <a:t>int</a:t>
-            </a:r>
-            <a:r>
-              <a:rPr lang="en-US" sz="900" dirty="0">
-                <a:solidFill>
-                  <a:srgbClr val="000000"/>
-                </a:solidFill>
-                <a:latin typeface="Consolas" panose="020B0609020204030204" pitchFamily="49" charset="0"/>
-              </a:rPr>
-              <a:t>);</a:t>
-            </a:r>
-          </a:p>
-          <a:p>
-            <a:endParaRPr lang="en-US" sz="900" dirty="0" smtClean="0">
-              <a:solidFill>
-                <a:srgbClr val="000000"/>
-              </a:solidFill>
-              <a:latin typeface="Consolas" panose="020B0609020204030204" pitchFamily="49" charset="0"/>
-            </a:endParaRPr>
-          </a:p>
-          <a:p>
-            <a:r>
-              <a:rPr lang="en-US" sz="900" dirty="0">
-                <a:solidFill>
-                  <a:srgbClr val="000000"/>
-                </a:solidFill>
-                <a:latin typeface="Consolas" panose="020B0609020204030204" pitchFamily="49" charset="0"/>
-              </a:rPr>
-              <a:t> </a:t>
-            </a:r>
-            <a:r>
-              <a:rPr lang="en-US" sz="900" dirty="0" smtClean="0">
-                <a:solidFill>
-                  <a:srgbClr val="000000"/>
-                </a:solidFill>
-                <a:latin typeface="Consolas" panose="020B0609020204030204" pitchFamily="49" charset="0"/>
-              </a:rPr>
-              <a:t>   </a:t>
-            </a:r>
-            <a:r>
-              <a:rPr lang="en-US" sz="900" dirty="0" smtClean="0">
-                <a:solidFill>
-                  <a:srgbClr val="0000FF"/>
-                </a:solidFill>
-                <a:latin typeface="Consolas" panose="020B0609020204030204" pitchFamily="49" charset="0"/>
-              </a:rPr>
-              <a:t>void</a:t>
-            </a:r>
-            <a:r>
-              <a:rPr lang="en-US" sz="900" dirty="0" smtClean="0">
-                <a:solidFill>
-                  <a:srgbClr val="000000"/>
-                </a:solidFill>
-                <a:latin typeface="Consolas" panose="020B0609020204030204" pitchFamily="49" charset="0"/>
-              </a:rPr>
-              <a:t> </a:t>
-            </a:r>
-            <a:r>
-              <a:rPr lang="en-US" sz="900" dirty="0">
-                <a:solidFill>
-                  <a:srgbClr val="880000"/>
-                </a:solidFill>
-                <a:latin typeface="Consolas" panose="020B0609020204030204" pitchFamily="49" charset="0"/>
-              </a:rPr>
-              <a:t>swap</a:t>
-            </a:r>
-            <a:r>
-              <a:rPr lang="en-US" sz="900" dirty="0">
-                <a:solidFill>
-                  <a:srgbClr val="000000"/>
-                </a:solidFill>
-                <a:latin typeface="Consolas" panose="020B0609020204030204" pitchFamily="49" charset="0"/>
-              </a:rPr>
-              <a:t>(</a:t>
-            </a:r>
-            <a:r>
-              <a:rPr lang="en-US" sz="900" dirty="0" err="1">
-                <a:solidFill>
-                  <a:srgbClr val="0000FF"/>
-                </a:solidFill>
-                <a:latin typeface="Consolas" panose="020B0609020204030204" pitchFamily="49" charset="0"/>
-              </a:rPr>
-              <a:t>int</a:t>
-            </a:r>
-            <a:r>
-              <a:rPr lang="en-US" sz="900" dirty="0">
-                <a:solidFill>
-                  <a:srgbClr val="000000"/>
-                </a:solidFill>
-                <a:latin typeface="Consolas" panose="020B0609020204030204" pitchFamily="49" charset="0"/>
-              </a:rPr>
-              <a:t> *</a:t>
-            </a:r>
-            <a:r>
-              <a:rPr lang="en-US" sz="900" dirty="0">
-                <a:solidFill>
-                  <a:srgbClr val="000080"/>
-                </a:solidFill>
-                <a:latin typeface="Consolas" panose="020B0609020204030204" pitchFamily="49" charset="0"/>
-              </a:rPr>
-              <a:t>x</a:t>
-            </a:r>
-            <a:r>
-              <a:rPr lang="en-US" sz="900" dirty="0">
-                <a:solidFill>
-                  <a:srgbClr val="000000"/>
-                </a:solidFill>
-                <a:latin typeface="Consolas" panose="020B0609020204030204" pitchFamily="49" charset="0"/>
-              </a:rPr>
-              <a:t>, </a:t>
-            </a:r>
-            <a:r>
-              <a:rPr lang="en-US" sz="900" dirty="0" err="1">
-                <a:solidFill>
-                  <a:srgbClr val="0000FF"/>
-                </a:solidFill>
-                <a:latin typeface="Consolas" panose="020B0609020204030204" pitchFamily="49" charset="0"/>
-              </a:rPr>
-              <a:t>int</a:t>
-            </a:r>
-            <a:r>
-              <a:rPr lang="en-US" sz="900" dirty="0">
-                <a:solidFill>
-                  <a:srgbClr val="000000"/>
-                </a:solidFill>
-                <a:latin typeface="Consolas" panose="020B0609020204030204" pitchFamily="49" charset="0"/>
-              </a:rPr>
-              <a:t> *</a:t>
-            </a:r>
-            <a:r>
-              <a:rPr lang="en-US" sz="900" dirty="0">
-                <a:solidFill>
-                  <a:srgbClr val="000080"/>
-                </a:solidFill>
-                <a:latin typeface="Consolas" panose="020B0609020204030204" pitchFamily="49" charset="0"/>
-              </a:rPr>
-              <a:t>y</a:t>
-            </a:r>
-            <a:r>
-              <a:rPr lang="en-US" sz="900" dirty="0">
-                <a:solidFill>
-                  <a:srgbClr val="000000"/>
-                </a:solidFill>
-                <a:latin typeface="Consolas" panose="020B0609020204030204" pitchFamily="49" charset="0"/>
-              </a:rPr>
-              <a:t>)</a:t>
-            </a:r>
-          </a:p>
-          <a:p>
-            <a:r>
-              <a:rPr lang="en-US" sz="900" dirty="0">
-                <a:solidFill>
-                  <a:srgbClr val="000000"/>
-                </a:solidFill>
-                <a:latin typeface="Consolas" panose="020B0609020204030204" pitchFamily="49" charset="0"/>
-              </a:rPr>
-              <a:t>    {</a:t>
-            </a:r>
-          </a:p>
-          <a:p>
-            <a:r>
-              <a:rPr lang="en-US" sz="900" dirty="0">
-                <a:solidFill>
-                  <a:srgbClr val="000000"/>
-                </a:solidFill>
-                <a:latin typeface="Consolas" panose="020B0609020204030204" pitchFamily="49" charset="0"/>
-              </a:rPr>
-              <a:t>        </a:t>
-            </a:r>
-            <a:r>
-              <a:rPr lang="en-US" sz="900" dirty="0" err="1">
-                <a:solidFill>
-                  <a:srgbClr val="0000FF"/>
-                </a:solidFill>
-                <a:latin typeface="Consolas" panose="020B0609020204030204" pitchFamily="49" charset="0"/>
-              </a:rPr>
-              <a:t>int</a:t>
-            </a:r>
-            <a:r>
-              <a:rPr lang="en-US" sz="900" dirty="0">
-                <a:solidFill>
-                  <a:srgbClr val="000000"/>
-                </a:solidFill>
-                <a:latin typeface="Consolas" panose="020B0609020204030204" pitchFamily="49" charset="0"/>
-              </a:rPr>
-              <a:t> </a:t>
-            </a:r>
-            <a:r>
-              <a:rPr lang="en-US" sz="900" dirty="0">
-                <a:solidFill>
-                  <a:srgbClr val="000080"/>
-                </a:solidFill>
-                <a:latin typeface="Consolas" panose="020B0609020204030204" pitchFamily="49" charset="0"/>
-              </a:rPr>
-              <a:t>temp</a:t>
-            </a:r>
-            <a:r>
-              <a:rPr lang="en-US" sz="900" dirty="0">
-                <a:solidFill>
-                  <a:srgbClr val="000000"/>
-                </a:solidFill>
-                <a:latin typeface="Consolas" panose="020B0609020204030204" pitchFamily="49" charset="0"/>
-              </a:rPr>
-              <a:t> = *</a:t>
-            </a:r>
-            <a:r>
-              <a:rPr lang="en-US" sz="900" dirty="0">
-                <a:solidFill>
-                  <a:srgbClr val="000080"/>
-                </a:solidFill>
-                <a:latin typeface="Consolas" panose="020B0609020204030204" pitchFamily="49" charset="0"/>
-              </a:rPr>
-              <a:t>x</a:t>
-            </a:r>
-            <a:r>
-              <a:rPr lang="en-US" sz="900" dirty="0">
-                <a:solidFill>
-                  <a:srgbClr val="000000"/>
-                </a:solidFill>
-                <a:latin typeface="Consolas" panose="020B0609020204030204" pitchFamily="49" charset="0"/>
-              </a:rPr>
-              <a:t>;</a:t>
-            </a:r>
-          </a:p>
-          <a:p>
-            <a:r>
-              <a:rPr lang="en-US" sz="900" dirty="0">
-                <a:solidFill>
-                  <a:srgbClr val="000000"/>
-                </a:solidFill>
-                <a:latin typeface="Consolas" panose="020B0609020204030204" pitchFamily="49" charset="0"/>
-              </a:rPr>
-              <a:t>        *</a:t>
-            </a:r>
-            <a:r>
-              <a:rPr lang="en-US" sz="900" dirty="0">
-                <a:solidFill>
-                  <a:srgbClr val="000080"/>
-                </a:solidFill>
-                <a:latin typeface="Consolas" panose="020B0609020204030204" pitchFamily="49" charset="0"/>
-              </a:rPr>
-              <a:t>x</a:t>
-            </a:r>
-            <a:r>
-              <a:rPr lang="en-US" sz="900" dirty="0">
-                <a:solidFill>
-                  <a:srgbClr val="000000"/>
-                </a:solidFill>
-                <a:latin typeface="Consolas" panose="020B0609020204030204" pitchFamily="49" charset="0"/>
-              </a:rPr>
-              <a:t> = *</a:t>
-            </a:r>
-            <a:r>
-              <a:rPr lang="en-US" sz="900" dirty="0">
-                <a:solidFill>
-                  <a:srgbClr val="000080"/>
-                </a:solidFill>
-                <a:latin typeface="Consolas" panose="020B0609020204030204" pitchFamily="49" charset="0"/>
-              </a:rPr>
-              <a:t>y</a:t>
-            </a:r>
-            <a:r>
-              <a:rPr lang="en-US" sz="900" dirty="0">
-                <a:solidFill>
-                  <a:srgbClr val="000000"/>
-                </a:solidFill>
-                <a:latin typeface="Consolas" panose="020B0609020204030204" pitchFamily="49" charset="0"/>
-              </a:rPr>
-              <a:t>;</a:t>
-            </a:r>
-          </a:p>
-          <a:p>
-            <a:r>
-              <a:rPr lang="en-US" sz="900" dirty="0">
-                <a:solidFill>
-                  <a:srgbClr val="000000"/>
-                </a:solidFill>
-                <a:latin typeface="Consolas" panose="020B0609020204030204" pitchFamily="49" charset="0"/>
-              </a:rPr>
-              <a:t>        *</a:t>
-            </a:r>
-            <a:r>
-              <a:rPr lang="en-US" sz="900" dirty="0">
-                <a:solidFill>
-                  <a:srgbClr val="000080"/>
-                </a:solidFill>
-                <a:latin typeface="Consolas" panose="020B0609020204030204" pitchFamily="49" charset="0"/>
-              </a:rPr>
-              <a:t>y</a:t>
-            </a:r>
-            <a:r>
-              <a:rPr lang="en-US" sz="900" dirty="0">
-                <a:solidFill>
-                  <a:srgbClr val="000000"/>
-                </a:solidFill>
-                <a:latin typeface="Consolas" panose="020B0609020204030204" pitchFamily="49" charset="0"/>
-              </a:rPr>
-              <a:t> = </a:t>
-            </a:r>
-            <a:r>
-              <a:rPr lang="en-US" sz="900" dirty="0">
-                <a:solidFill>
-                  <a:srgbClr val="000080"/>
-                </a:solidFill>
-                <a:latin typeface="Consolas" panose="020B0609020204030204" pitchFamily="49" charset="0"/>
-              </a:rPr>
-              <a:t>temp</a:t>
-            </a:r>
-            <a:r>
-              <a:rPr lang="en-US" sz="900" dirty="0">
-                <a:solidFill>
-                  <a:srgbClr val="000000"/>
-                </a:solidFill>
-                <a:latin typeface="Consolas" panose="020B0609020204030204" pitchFamily="49" charset="0"/>
-              </a:rPr>
-              <a:t>;</a:t>
-            </a:r>
-          </a:p>
-          <a:p>
-            <a:r>
-              <a:rPr lang="en-US" sz="900" dirty="0">
-                <a:solidFill>
-                  <a:srgbClr val="000000"/>
-                </a:solidFill>
-                <a:latin typeface="Consolas" panose="020B0609020204030204" pitchFamily="49" charset="0"/>
-              </a:rPr>
-              <a:t>    }</a:t>
-            </a:r>
-          </a:p>
-          <a:p>
-            <a:endParaRPr lang="en-US" sz="900" dirty="0">
-              <a:solidFill>
-                <a:srgbClr val="000000"/>
-              </a:solidFill>
-              <a:latin typeface="Consolas" panose="020B0609020204030204" pitchFamily="49" charset="0"/>
-            </a:endParaRPr>
-          </a:p>
-          <a:p>
-            <a:r>
-              <a:rPr lang="en-US" sz="900" dirty="0">
-                <a:solidFill>
-                  <a:srgbClr val="000000"/>
-                </a:solidFill>
-                <a:latin typeface="Consolas" panose="020B0609020204030204" pitchFamily="49" charset="0"/>
-              </a:rPr>
-              <a:t>    </a:t>
-            </a:r>
-            <a:r>
-              <a:rPr lang="en-US" sz="900" dirty="0" err="1">
-                <a:solidFill>
-                  <a:srgbClr val="0000FF"/>
-                </a:solidFill>
-                <a:latin typeface="Consolas" panose="020B0609020204030204" pitchFamily="49" charset="0"/>
-              </a:rPr>
-              <a:t>BinaryHeap</a:t>
-            </a:r>
-            <a:r>
-              <a:rPr lang="en-US" sz="900" dirty="0">
-                <a:solidFill>
-                  <a:srgbClr val="000000"/>
-                </a:solidFill>
-                <a:latin typeface="Consolas" panose="020B0609020204030204" pitchFamily="49" charset="0"/>
-              </a:rPr>
-              <a:t>() = </a:t>
-            </a:r>
-            <a:r>
-              <a:rPr lang="en-US" sz="900" dirty="0">
-                <a:solidFill>
-                  <a:srgbClr val="0000FF"/>
-                </a:solidFill>
-                <a:latin typeface="Consolas" panose="020B0609020204030204" pitchFamily="49" charset="0"/>
-              </a:rPr>
-              <a:t>delete</a:t>
-            </a:r>
-            <a:r>
-              <a:rPr lang="en-US" sz="900" dirty="0">
-                <a:solidFill>
-                  <a:srgbClr val="000000"/>
-                </a:solidFill>
-                <a:latin typeface="Consolas" panose="020B0609020204030204" pitchFamily="49" charset="0"/>
-              </a:rPr>
-              <a:t>;</a:t>
-            </a:r>
-          </a:p>
-          <a:p>
-            <a:endParaRPr lang="en-US" sz="900" dirty="0">
-              <a:solidFill>
-                <a:srgbClr val="000000"/>
-              </a:solidFill>
-              <a:latin typeface="Consolas" panose="020B0609020204030204" pitchFamily="49" charset="0"/>
-            </a:endParaRPr>
-          </a:p>
-          <a:p>
-            <a:r>
-              <a:rPr lang="en-US" sz="900" dirty="0">
-                <a:solidFill>
-                  <a:srgbClr val="000000"/>
-                </a:solidFill>
-                <a:latin typeface="Consolas" panose="020B0609020204030204" pitchFamily="49" charset="0"/>
-              </a:rPr>
-              <a:t>    </a:t>
-            </a:r>
-            <a:r>
-              <a:rPr lang="en-US" sz="900" dirty="0" err="1">
-                <a:solidFill>
-                  <a:srgbClr val="0000FF"/>
-                </a:solidFill>
-                <a:latin typeface="Consolas" panose="020B0609020204030204" pitchFamily="49" charset="0"/>
-              </a:rPr>
-              <a:t>int</a:t>
-            </a:r>
-            <a:r>
-              <a:rPr lang="en-US" sz="900" dirty="0">
-                <a:solidFill>
-                  <a:srgbClr val="000000"/>
-                </a:solidFill>
-                <a:latin typeface="Consolas" panose="020B0609020204030204" pitchFamily="49" charset="0"/>
-              </a:rPr>
-              <a:t> </a:t>
-            </a:r>
-            <a:r>
-              <a:rPr lang="en-US" sz="900" dirty="0" err="1">
-                <a:solidFill>
-                  <a:srgbClr val="000080"/>
-                </a:solidFill>
-                <a:latin typeface="Consolas" panose="020B0609020204030204" pitchFamily="49" charset="0"/>
-              </a:rPr>
-              <a:t>m_Capactity</a:t>
-            </a:r>
-            <a:r>
-              <a:rPr lang="en-US" sz="900" dirty="0">
-                <a:solidFill>
-                  <a:srgbClr val="000000"/>
-                </a:solidFill>
-                <a:latin typeface="Consolas" panose="020B0609020204030204" pitchFamily="49" charset="0"/>
-              </a:rPr>
-              <a:t> = 0;</a:t>
-            </a:r>
-          </a:p>
-          <a:p>
-            <a:r>
-              <a:rPr lang="en-US" sz="900" dirty="0">
-                <a:solidFill>
-                  <a:srgbClr val="000000"/>
-                </a:solidFill>
-                <a:latin typeface="Consolas" panose="020B0609020204030204" pitchFamily="49" charset="0"/>
-              </a:rPr>
-              <a:t>    </a:t>
-            </a:r>
-            <a:r>
-              <a:rPr lang="en-US" sz="900" dirty="0" err="1">
-                <a:solidFill>
-                  <a:srgbClr val="0000FF"/>
-                </a:solidFill>
-                <a:latin typeface="Consolas" panose="020B0609020204030204" pitchFamily="49" charset="0"/>
-              </a:rPr>
-              <a:t>int</a:t>
-            </a:r>
-            <a:r>
-              <a:rPr lang="en-US" sz="900" dirty="0">
-                <a:solidFill>
-                  <a:srgbClr val="000000"/>
-                </a:solidFill>
-                <a:latin typeface="Consolas" panose="020B0609020204030204" pitchFamily="49" charset="0"/>
-              </a:rPr>
-              <a:t> </a:t>
-            </a:r>
-            <a:r>
-              <a:rPr lang="en-US" sz="900" dirty="0" err="1">
-                <a:solidFill>
-                  <a:srgbClr val="000080"/>
-                </a:solidFill>
-                <a:latin typeface="Consolas" panose="020B0609020204030204" pitchFamily="49" charset="0"/>
-              </a:rPr>
-              <a:t>m_Count</a:t>
-            </a:r>
-            <a:r>
-              <a:rPr lang="en-US" sz="900" dirty="0">
-                <a:solidFill>
-                  <a:srgbClr val="000000"/>
-                </a:solidFill>
-                <a:latin typeface="Consolas" panose="020B0609020204030204" pitchFamily="49" charset="0"/>
-              </a:rPr>
-              <a:t> = 0;</a:t>
-            </a:r>
-          </a:p>
-          <a:p>
-            <a:r>
-              <a:rPr lang="en-US" sz="900" dirty="0">
-                <a:solidFill>
-                  <a:srgbClr val="000000"/>
-                </a:solidFill>
-                <a:latin typeface="Consolas" panose="020B0609020204030204" pitchFamily="49" charset="0"/>
-              </a:rPr>
-              <a:t>    </a:t>
-            </a:r>
-            <a:r>
-              <a:rPr lang="en-US" sz="900" dirty="0" err="1">
-                <a:solidFill>
-                  <a:srgbClr val="0000FF"/>
-                </a:solidFill>
-                <a:latin typeface="Consolas" panose="020B0609020204030204" pitchFamily="49" charset="0"/>
-              </a:rPr>
-              <a:t>int</a:t>
-            </a:r>
-            <a:r>
-              <a:rPr lang="en-US" sz="900" dirty="0">
-                <a:solidFill>
-                  <a:srgbClr val="000000"/>
-                </a:solidFill>
-                <a:latin typeface="Consolas" panose="020B0609020204030204" pitchFamily="49" charset="0"/>
-              </a:rPr>
-              <a:t>* </a:t>
-            </a:r>
-            <a:r>
-              <a:rPr lang="en-US" sz="900" dirty="0" err="1">
-                <a:solidFill>
-                  <a:srgbClr val="000080"/>
-                </a:solidFill>
-                <a:latin typeface="Consolas" panose="020B0609020204030204" pitchFamily="49" charset="0"/>
-              </a:rPr>
-              <a:t>m_Data</a:t>
-            </a:r>
-            <a:r>
-              <a:rPr lang="en-US" sz="900" dirty="0">
-                <a:solidFill>
-                  <a:srgbClr val="000000"/>
-                </a:solidFill>
-                <a:latin typeface="Consolas" panose="020B0609020204030204" pitchFamily="49" charset="0"/>
-              </a:rPr>
-              <a:t>;</a:t>
-            </a:r>
-          </a:p>
-          <a:p>
-            <a:r>
-              <a:rPr lang="en-US" sz="900" dirty="0">
-                <a:solidFill>
-                  <a:srgbClr val="000000"/>
-                </a:solidFill>
-                <a:latin typeface="Consolas" panose="020B0609020204030204" pitchFamily="49" charset="0"/>
-              </a:rPr>
-              <a:t>};</a:t>
+              <a:t>https://github.com/maxbegin/BinaryHeap/blob/master/Source/BinaryHeap.cpp</a:t>
             </a:r>
             <a:endParaRPr lang="en-US" dirty="0"/>
           </a:p>
@@ -6740,2662 +5111,6 @@
 </file>
 
 <file path=ppt/slides/slide27.xml><?xml version="1.0" encoding="utf-8"?>
-<p:sld xmlns:a="http://schemas.openxmlformats.org/drawingml/2006/main" xmlns:r="http://schemas.openxmlformats.org/officeDocument/2006/relationships" xmlns:p="http://schemas.openxmlformats.org/presentationml/2006/main">
-  <p:cSld>
-    <p:spTree>
-      <p:nvGrpSpPr>
-        <p:cNvPr id="1" name=""/>
-        <p:cNvGrpSpPr/>
-        <p:nvPr/>
-      </p:nvGrpSpPr>
-      <p:grpSpPr>
-        <a:xfrm>
-          <a:off x="0" y="0"/>
-          <a:ext cx="0" cy="0"/>
-          <a:chOff x="0" y="0"/>
-          <a:chExt cx="0" cy="0"/>
-        </a:xfrm>
-      </p:grpSpPr>
-      <p:sp>
-        <p:nvSpPr>
-          <p:cNvPr id="2" name="Title 1"/>
-          <p:cNvSpPr>
-            <a:spLocks noGrp="1"/>
-          </p:cNvSpPr>
-          <p:nvPr>
-            <p:ph type="title"/>
-          </p:nvPr>
-        </p:nvSpPr>
-        <p:spPr/>
-        <p:txBody>
-          <a:bodyPr/>
-          <a:lstStyle/>
-          <a:p>
-            <a:r>
-              <a:rPr lang="fr-CA" dirty="0" smtClean="0"/>
-              <a:t>Code</a:t>
-            </a:r>
-            <a:endParaRPr lang="en-US" dirty="0"/>
-          </a:p>
-        </p:txBody>
-      </p:sp>
-      <p:sp>
-        <p:nvSpPr>
-          <p:cNvPr id="3" name="Rectangle 2"/>
-          <p:cNvSpPr/>
-          <p:nvPr/>
-        </p:nvSpPr>
-        <p:spPr>
-          <a:xfrm>
-            <a:off x="838200" y="1902384"/>
-            <a:ext cx="6096000" cy="3139321"/>
-          </a:xfrm>
-          <a:prstGeom prst="rect">
-            <a:avLst/>
-          </a:prstGeom>
-        </p:spPr>
-        <p:txBody>
-          <a:bodyPr>
-            <a:spAutoFit/>
-          </a:bodyPr>
-          <a:lstStyle/>
-          <a:p>
-            <a:r>
-              <a:rPr lang="en-US" sz="900" dirty="0">
-                <a:solidFill>
-                  <a:srgbClr val="0000FF"/>
-                </a:solidFill>
-                <a:latin typeface="Consolas" panose="020B0609020204030204" pitchFamily="49" charset="0"/>
-              </a:rPr>
-              <a:t>void</a:t>
-            </a:r>
-            <a:r>
-              <a:rPr lang="en-US" sz="900" dirty="0">
-                <a:solidFill>
-                  <a:srgbClr val="000000"/>
-                </a:solidFill>
-                <a:latin typeface="Consolas" panose="020B0609020204030204" pitchFamily="49" charset="0"/>
-              </a:rPr>
-              <a:t> </a:t>
-            </a:r>
-            <a:r>
-              <a:rPr lang="en-US" sz="900" dirty="0" err="1">
-                <a:solidFill>
-                  <a:srgbClr val="0000FF"/>
-                </a:solidFill>
-                <a:latin typeface="Consolas" panose="020B0609020204030204" pitchFamily="49" charset="0"/>
-              </a:rPr>
-              <a:t>BinaryHeap</a:t>
-            </a:r>
-            <a:r>
-              <a:rPr lang="en-US" sz="900" dirty="0">
-                <a:solidFill>
-                  <a:srgbClr val="000000"/>
-                </a:solidFill>
-                <a:latin typeface="Consolas" panose="020B0609020204030204" pitchFamily="49" charset="0"/>
-              </a:rPr>
-              <a:t>::</a:t>
-            </a:r>
-            <a:r>
-              <a:rPr lang="en-US" sz="900" dirty="0" err="1">
-                <a:solidFill>
-                  <a:srgbClr val="880000"/>
-                </a:solidFill>
-                <a:latin typeface="Consolas" panose="020B0609020204030204" pitchFamily="49" charset="0"/>
-              </a:rPr>
-              <a:t>InsertValue</a:t>
-            </a:r>
-            <a:r>
-              <a:rPr lang="en-US" sz="900" dirty="0">
-                <a:solidFill>
-                  <a:srgbClr val="000000"/>
-                </a:solidFill>
-                <a:latin typeface="Consolas" panose="020B0609020204030204" pitchFamily="49" charset="0"/>
-              </a:rPr>
-              <a:t>(</a:t>
-            </a:r>
-            <a:r>
-              <a:rPr lang="en-US" sz="900" dirty="0" err="1">
-                <a:solidFill>
-                  <a:srgbClr val="0000FF"/>
-                </a:solidFill>
-                <a:latin typeface="Consolas" panose="020B0609020204030204" pitchFamily="49" charset="0"/>
-              </a:rPr>
-              <a:t>int</a:t>
-            </a:r>
-            <a:r>
-              <a:rPr lang="en-US" sz="900" dirty="0">
-                <a:solidFill>
-                  <a:srgbClr val="000000"/>
-                </a:solidFill>
-                <a:latin typeface="Consolas" panose="020B0609020204030204" pitchFamily="49" charset="0"/>
-              </a:rPr>
-              <a:t> </a:t>
-            </a:r>
-            <a:r>
-              <a:rPr lang="en-US" sz="900" dirty="0">
-                <a:solidFill>
-                  <a:srgbClr val="000080"/>
-                </a:solidFill>
-                <a:latin typeface="Consolas" panose="020B0609020204030204" pitchFamily="49" charset="0"/>
-              </a:rPr>
-              <a:t>value</a:t>
-            </a:r>
-            <a:r>
-              <a:rPr lang="en-US" sz="900" dirty="0">
-                <a:solidFill>
-                  <a:srgbClr val="000000"/>
-                </a:solidFill>
-                <a:latin typeface="Consolas" panose="020B0609020204030204" pitchFamily="49" charset="0"/>
-              </a:rPr>
-              <a:t>)</a:t>
-            </a:r>
-          </a:p>
-          <a:p>
-            <a:r>
-              <a:rPr lang="en-US" sz="900" dirty="0">
-                <a:solidFill>
-                  <a:srgbClr val="000000"/>
-                </a:solidFill>
-                <a:latin typeface="Consolas" panose="020B0609020204030204" pitchFamily="49" charset="0"/>
-              </a:rPr>
-              <a:t>{</a:t>
-            </a:r>
-          </a:p>
-          <a:p>
-            <a:r>
-              <a:rPr lang="en-US" sz="900" dirty="0">
-                <a:solidFill>
-                  <a:srgbClr val="000000"/>
-                </a:solidFill>
-                <a:latin typeface="Consolas" panose="020B0609020204030204" pitchFamily="49" charset="0"/>
-              </a:rPr>
-              <a:t>    </a:t>
-            </a:r>
-            <a:r>
-              <a:rPr lang="en-US" sz="900" dirty="0">
-                <a:solidFill>
-                  <a:srgbClr val="0000FF"/>
-                </a:solidFill>
-                <a:latin typeface="Consolas" panose="020B0609020204030204" pitchFamily="49" charset="0"/>
-              </a:rPr>
-              <a:t>if</a:t>
-            </a:r>
-            <a:r>
-              <a:rPr lang="en-US" sz="900" dirty="0">
-                <a:solidFill>
-                  <a:srgbClr val="000000"/>
-                </a:solidFill>
-                <a:latin typeface="Consolas" panose="020B0609020204030204" pitchFamily="49" charset="0"/>
-              </a:rPr>
-              <a:t> (</a:t>
-            </a:r>
-            <a:r>
-              <a:rPr lang="en-US" sz="900" dirty="0" err="1">
-                <a:solidFill>
-                  <a:srgbClr val="000080"/>
-                </a:solidFill>
-                <a:latin typeface="Consolas" panose="020B0609020204030204" pitchFamily="49" charset="0"/>
-              </a:rPr>
-              <a:t>m_Capactity</a:t>
-            </a:r>
-            <a:r>
-              <a:rPr lang="en-US" sz="900" dirty="0">
-                <a:solidFill>
-                  <a:srgbClr val="000000"/>
-                </a:solidFill>
-                <a:latin typeface="Consolas" panose="020B0609020204030204" pitchFamily="49" charset="0"/>
-              </a:rPr>
-              <a:t> == </a:t>
-            </a:r>
-            <a:r>
-              <a:rPr lang="en-US" sz="900" dirty="0" err="1">
-                <a:solidFill>
-                  <a:srgbClr val="000080"/>
-                </a:solidFill>
-                <a:latin typeface="Consolas" panose="020B0609020204030204" pitchFamily="49" charset="0"/>
-              </a:rPr>
-              <a:t>m_Count</a:t>
-            </a:r>
-            <a:r>
-              <a:rPr lang="en-US" sz="900" dirty="0">
-                <a:solidFill>
-                  <a:srgbClr val="000000"/>
-                </a:solidFill>
-                <a:latin typeface="Consolas" panose="020B0609020204030204" pitchFamily="49" charset="0"/>
-              </a:rPr>
-              <a:t>)</a:t>
-            </a:r>
-          </a:p>
-          <a:p>
-            <a:r>
-              <a:rPr lang="en-US" sz="900" dirty="0">
-                <a:solidFill>
-                  <a:srgbClr val="000000"/>
-                </a:solidFill>
-                <a:latin typeface="Consolas" panose="020B0609020204030204" pitchFamily="49" charset="0"/>
-              </a:rPr>
-              <a:t>    {</a:t>
-            </a:r>
-          </a:p>
-          <a:p>
-            <a:r>
-              <a:rPr lang="en-US" sz="900" dirty="0">
-                <a:solidFill>
-                  <a:srgbClr val="000000"/>
-                </a:solidFill>
-                <a:latin typeface="Consolas" panose="020B0609020204030204" pitchFamily="49" charset="0"/>
-              </a:rPr>
-              <a:t>        </a:t>
-            </a:r>
-            <a:r>
-              <a:rPr lang="en-US" sz="900" dirty="0">
-                <a:solidFill>
-                  <a:srgbClr val="008000"/>
-                </a:solidFill>
-                <a:latin typeface="Consolas" panose="020B0609020204030204" pitchFamily="49" charset="0"/>
-              </a:rPr>
-              <a:t>// heap full</a:t>
-            </a:r>
-            <a:endParaRPr lang="en-US" sz="900" dirty="0">
-              <a:solidFill>
-                <a:srgbClr val="000000"/>
-              </a:solidFill>
-              <a:latin typeface="Consolas" panose="020B0609020204030204" pitchFamily="49" charset="0"/>
-            </a:endParaRPr>
-          </a:p>
-          <a:p>
-            <a:r>
-              <a:rPr lang="en-US" sz="900" dirty="0">
-                <a:solidFill>
-                  <a:srgbClr val="000000"/>
-                </a:solidFill>
-                <a:latin typeface="Consolas" panose="020B0609020204030204" pitchFamily="49" charset="0"/>
-              </a:rPr>
-              <a:t>        </a:t>
-            </a:r>
-            <a:r>
-              <a:rPr lang="en-US" sz="900" dirty="0">
-                <a:solidFill>
-                  <a:srgbClr val="0000FF"/>
-                </a:solidFill>
-                <a:latin typeface="Consolas" panose="020B0609020204030204" pitchFamily="49" charset="0"/>
-              </a:rPr>
-              <a:t>return</a:t>
-            </a:r>
-            <a:r>
-              <a:rPr lang="en-US" sz="900" dirty="0">
-                <a:solidFill>
-                  <a:srgbClr val="000000"/>
-                </a:solidFill>
-                <a:latin typeface="Consolas" panose="020B0609020204030204" pitchFamily="49" charset="0"/>
-              </a:rPr>
-              <a:t>;</a:t>
-            </a:r>
-          </a:p>
-          <a:p>
-            <a:r>
-              <a:rPr lang="en-US" sz="900" dirty="0">
-                <a:solidFill>
-                  <a:srgbClr val="000000"/>
-                </a:solidFill>
-                <a:latin typeface="Consolas" panose="020B0609020204030204" pitchFamily="49" charset="0"/>
-              </a:rPr>
-              <a:t>    }</a:t>
-            </a:r>
-          </a:p>
-          <a:p>
-            <a:endParaRPr lang="en-US" sz="900" dirty="0">
-              <a:solidFill>
-                <a:srgbClr val="000000"/>
-              </a:solidFill>
-              <a:latin typeface="Consolas" panose="020B0609020204030204" pitchFamily="49" charset="0"/>
-            </a:endParaRPr>
-          </a:p>
-          <a:p>
-            <a:r>
-              <a:rPr lang="en-US" sz="900" dirty="0">
-                <a:solidFill>
-                  <a:srgbClr val="000000"/>
-                </a:solidFill>
-                <a:latin typeface="Consolas" panose="020B0609020204030204" pitchFamily="49" charset="0"/>
-              </a:rPr>
-              <a:t>    </a:t>
-            </a:r>
-            <a:r>
-              <a:rPr lang="en-US" sz="900" dirty="0">
-                <a:solidFill>
-                  <a:srgbClr val="008000"/>
-                </a:solidFill>
-                <a:latin typeface="Consolas" panose="020B0609020204030204" pitchFamily="49" charset="0"/>
-              </a:rPr>
-              <a:t>// Add Value at end</a:t>
-            </a:r>
-            <a:endParaRPr lang="en-US" sz="900" dirty="0">
-              <a:solidFill>
-                <a:srgbClr val="000000"/>
-              </a:solidFill>
-              <a:latin typeface="Consolas" panose="020B0609020204030204" pitchFamily="49" charset="0"/>
-            </a:endParaRPr>
-          </a:p>
-          <a:p>
-            <a:r>
-              <a:rPr lang="en-US" sz="900" dirty="0">
-                <a:solidFill>
-                  <a:srgbClr val="000000"/>
-                </a:solidFill>
-                <a:latin typeface="Consolas" panose="020B0609020204030204" pitchFamily="49" charset="0"/>
-              </a:rPr>
-              <a:t>    </a:t>
-            </a:r>
-            <a:r>
-              <a:rPr lang="en-US" sz="900" dirty="0" err="1">
-                <a:solidFill>
-                  <a:srgbClr val="0000FF"/>
-                </a:solidFill>
-                <a:latin typeface="Consolas" panose="020B0609020204030204" pitchFamily="49" charset="0"/>
-              </a:rPr>
-              <a:t>int</a:t>
-            </a:r>
-            <a:r>
-              <a:rPr lang="en-US" sz="900" dirty="0">
-                <a:solidFill>
-                  <a:srgbClr val="000000"/>
-                </a:solidFill>
-                <a:latin typeface="Consolas" panose="020B0609020204030204" pitchFamily="49" charset="0"/>
-              </a:rPr>
-              <a:t> </a:t>
-            </a:r>
-            <a:r>
-              <a:rPr lang="en-US" sz="900" dirty="0">
-                <a:solidFill>
-                  <a:srgbClr val="000080"/>
-                </a:solidFill>
-                <a:latin typeface="Consolas" panose="020B0609020204030204" pitchFamily="49" charset="0"/>
-              </a:rPr>
-              <a:t>index</a:t>
-            </a:r>
-            <a:r>
-              <a:rPr lang="en-US" sz="900" dirty="0">
-                <a:solidFill>
-                  <a:srgbClr val="000000"/>
-                </a:solidFill>
-                <a:latin typeface="Consolas" panose="020B0609020204030204" pitchFamily="49" charset="0"/>
-              </a:rPr>
-              <a:t> = </a:t>
-            </a:r>
-            <a:r>
-              <a:rPr lang="en-US" sz="900" dirty="0" err="1">
-                <a:solidFill>
-                  <a:srgbClr val="000080"/>
-                </a:solidFill>
-                <a:latin typeface="Consolas" panose="020B0609020204030204" pitchFamily="49" charset="0"/>
-              </a:rPr>
-              <a:t>m_Count</a:t>
-            </a:r>
-            <a:r>
-              <a:rPr lang="en-US" sz="900" dirty="0">
-                <a:solidFill>
-                  <a:srgbClr val="000000"/>
-                </a:solidFill>
-                <a:latin typeface="Consolas" panose="020B0609020204030204" pitchFamily="49" charset="0"/>
-              </a:rPr>
-              <a:t>;</a:t>
-            </a:r>
-          </a:p>
-          <a:p>
-            <a:r>
-              <a:rPr lang="en-US" sz="900" dirty="0">
-                <a:solidFill>
-                  <a:srgbClr val="000000"/>
-                </a:solidFill>
-                <a:latin typeface="Consolas" panose="020B0609020204030204" pitchFamily="49" charset="0"/>
-              </a:rPr>
-              <a:t>    </a:t>
-            </a:r>
-            <a:r>
-              <a:rPr lang="en-US" sz="900" dirty="0" err="1">
-                <a:solidFill>
-                  <a:srgbClr val="000080"/>
-                </a:solidFill>
-                <a:latin typeface="Consolas" panose="020B0609020204030204" pitchFamily="49" charset="0"/>
-              </a:rPr>
-              <a:t>m_Count</a:t>
-            </a:r>
-            <a:r>
-              <a:rPr lang="en-US" sz="900" dirty="0">
-                <a:solidFill>
-                  <a:srgbClr val="000000"/>
-                </a:solidFill>
-                <a:latin typeface="Consolas" panose="020B0609020204030204" pitchFamily="49" charset="0"/>
-              </a:rPr>
-              <a:t>++;</a:t>
-            </a:r>
-          </a:p>
-          <a:p>
-            <a:r>
-              <a:rPr lang="en-US" sz="900" dirty="0">
-                <a:solidFill>
-                  <a:srgbClr val="000000"/>
-                </a:solidFill>
-                <a:latin typeface="Consolas" panose="020B0609020204030204" pitchFamily="49" charset="0"/>
-              </a:rPr>
-              <a:t>    </a:t>
-            </a:r>
-            <a:r>
-              <a:rPr lang="en-US" sz="900" dirty="0" err="1">
-                <a:solidFill>
-                  <a:srgbClr val="000080"/>
-                </a:solidFill>
-                <a:latin typeface="Consolas" panose="020B0609020204030204" pitchFamily="49" charset="0"/>
-              </a:rPr>
-              <a:t>m_Data</a:t>
-            </a:r>
-            <a:r>
-              <a:rPr lang="en-US" sz="900" dirty="0">
-                <a:solidFill>
-                  <a:srgbClr val="000000"/>
-                </a:solidFill>
-                <a:latin typeface="Consolas" panose="020B0609020204030204" pitchFamily="49" charset="0"/>
-              </a:rPr>
-              <a:t>[</a:t>
-            </a:r>
-            <a:r>
-              <a:rPr lang="en-US" sz="900" dirty="0">
-                <a:solidFill>
-                  <a:srgbClr val="000080"/>
-                </a:solidFill>
-                <a:latin typeface="Consolas" panose="020B0609020204030204" pitchFamily="49" charset="0"/>
-              </a:rPr>
-              <a:t>index</a:t>
-            </a:r>
-            <a:r>
-              <a:rPr lang="en-US" sz="900" dirty="0">
-                <a:solidFill>
-                  <a:srgbClr val="000000"/>
-                </a:solidFill>
-                <a:latin typeface="Consolas" panose="020B0609020204030204" pitchFamily="49" charset="0"/>
-              </a:rPr>
-              <a:t>] = </a:t>
-            </a:r>
-            <a:r>
-              <a:rPr lang="en-US" sz="900" dirty="0">
-                <a:solidFill>
-                  <a:srgbClr val="000080"/>
-                </a:solidFill>
-                <a:latin typeface="Consolas" panose="020B0609020204030204" pitchFamily="49" charset="0"/>
-              </a:rPr>
-              <a:t>value</a:t>
-            </a:r>
-            <a:r>
-              <a:rPr lang="en-US" sz="900" dirty="0">
-                <a:solidFill>
-                  <a:srgbClr val="000000"/>
-                </a:solidFill>
-                <a:latin typeface="Consolas" panose="020B0609020204030204" pitchFamily="49" charset="0"/>
-              </a:rPr>
-              <a:t>;</a:t>
-            </a:r>
-          </a:p>
-          <a:p>
-            <a:endParaRPr lang="en-US" sz="900" dirty="0">
-              <a:solidFill>
-                <a:srgbClr val="000000"/>
-              </a:solidFill>
-              <a:latin typeface="Consolas" panose="020B0609020204030204" pitchFamily="49" charset="0"/>
-            </a:endParaRPr>
-          </a:p>
-          <a:p>
-            <a:r>
-              <a:rPr lang="en-US" sz="900" dirty="0">
-                <a:solidFill>
-                  <a:srgbClr val="0000FF"/>
-                </a:solidFill>
-                <a:latin typeface="Consolas" panose="020B0609020204030204" pitchFamily="49" charset="0"/>
-              </a:rPr>
-              <a:t> </a:t>
-            </a:r>
-            <a:r>
-              <a:rPr lang="en-US" sz="900" dirty="0" smtClean="0">
-                <a:solidFill>
-                  <a:srgbClr val="0000FF"/>
-                </a:solidFill>
-                <a:latin typeface="Consolas" panose="020B0609020204030204" pitchFamily="49" charset="0"/>
-              </a:rPr>
-              <a:t>   </a:t>
-            </a:r>
-            <a:r>
-              <a:rPr lang="en-US" sz="900" dirty="0" err="1" smtClean="0">
-                <a:solidFill>
-                  <a:srgbClr val="0000FF"/>
-                </a:solidFill>
-                <a:latin typeface="Consolas" panose="020B0609020204030204" pitchFamily="49" charset="0"/>
-              </a:rPr>
-              <a:t>int</a:t>
-            </a:r>
-            <a:r>
-              <a:rPr lang="en-US" sz="900" dirty="0" smtClean="0">
-                <a:solidFill>
-                  <a:srgbClr val="000000"/>
-                </a:solidFill>
-                <a:latin typeface="Consolas" panose="020B0609020204030204" pitchFamily="49" charset="0"/>
-              </a:rPr>
-              <a:t> </a:t>
-            </a:r>
-            <a:r>
-              <a:rPr lang="en-US" sz="900" dirty="0" err="1">
-                <a:solidFill>
-                  <a:srgbClr val="000080"/>
-                </a:solidFill>
-                <a:latin typeface="Consolas" panose="020B0609020204030204" pitchFamily="49" charset="0"/>
-              </a:rPr>
-              <a:t>parentIndex</a:t>
-            </a:r>
-            <a:r>
-              <a:rPr lang="en-US" sz="900" dirty="0">
-                <a:solidFill>
-                  <a:srgbClr val="000000"/>
-                </a:solidFill>
-                <a:latin typeface="Consolas" panose="020B0609020204030204" pitchFamily="49" charset="0"/>
-              </a:rPr>
-              <a:t> = </a:t>
-            </a:r>
-            <a:r>
-              <a:rPr lang="en-US" sz="900" dirty="0" err="1">
-                <a:solidFill>
-                  <a:srgbClr val="880000"/>
-                </a:solidFill>
-                <a:latin typeface="Consolas" panose="020B0609020204030204" pitchFamily="49" charset="0"/>
-              </a:rPr>
-              <a:t>GetParent</a:t>
-            </a:r>
-            <a:r>
-              <a:rPr lang="en-US" sz="900" dirty="0">
-                <a:solidFill>
-                  <a:srgbClr val="000000"/>
-                </a:solidFill>
-                <a:latin typeface="Consolas" panose="020B0609020204030204" pitchFamily="49" charset="0"/>
-              </a:rPr>
-              <a:t>(</a:t>
-            </a:r>
-            <a:r>
-              <a:rPr lang="en-US" sz="900" dirty="0">
-                <a:solidFill>
-                  <a:srgbClr val="000080"/>
-                </a:solidFill>
-                <a:latin typeface="Consolas" panose="020B0609020204030204" pitchFamily="49" charset="0"/>
-              </a:rPr>
-              <a:t>index</a:t>
-            </a:r>
-            <a:r>
-              <a:rPr lang="en-US" sz="900" dirty="0">
-                <a:solidFill>
-                  <a:srgbClr val="000000"/>
-                </a:solidFill>
-                <a:latin typeface="Consolas" panose="020B0609020204030204" pitchFamily="49" charset="0"/>
-              </a:rPr>
-              <a:t>);</a:t>
-            </a:r>
-          </a:p>
-          <a:p>
-            <a:r>
-              <a:rPr lang="en-US" sz="900" dirty="0">
-                <a:solidFill>
-                  <a:srgbClr val="000000"/>
-                </a:solidFill>
-                <a:latin typeface="Consolas" panose="020B0609020204030204" pitchFamily="49" charset="0"/>
-              </a:rPr>
-              <a:t>    </a:t>
-            </a:r>
-            <a:r>
-              <a:rPr lang="en-US" sz="900" dirty="0">
-                <a:solidFill>
-                  <a:srgbClr val="0000FF"/>
-                </a:solidFill>
-                <a:latin typeface="Consolas" panose="020B0609020204030204" pitchFamily="49" charset="0"/>
-              </a:rPr>
-              <a:t>while</a:t>
-            </a:r>
-            <a:r>
-              <a:rPr lang="en-US" sz="900" dirty="0">
-                <a:solidFill>
-                  <a:srgbClr val="000000"/>
-                </a:solidFill>
-                <a:latin typeface="Consolas" panose="020B0609020204030204" pitchFamily="49" charset="0"/>
-              </a:rPr>
-              <a:t> (</a:t>
-            </a:r>
-            <a:r>
-              <a:rPr lang="en-US" sz="900" dirty="0">
-                <a:solidFill>
-                  <a:srgbClr val="000080"/>
-                </a:solidFill>
-                <a:latin typeface="Consolas" panose="020B0609020204030204" pitchFamily="49" charset="0"/>
-              </a:rPr>
-              <a:t>index</a:t>
-            </a:r>
-            <a:r>
-              <a:rPr lang="en-US" sz="900" dirty="0">
-                <a:solidFill>
-                  <a:srgbClr val="000000"/>
-                </a:solidFill>
-                <a:latin typeface="Consolas" panose="020B0609020204030204" pitchFamily="49" charset="0"/>
-              </a:rPr>
-              <a:t> != 0 &amp;&amp; </a:t>
-            </a:r>
-            <a:r>
-              <a:rPr lang="en-US" sz="900" dirty="0" err="1">
-                <a:solidFill>
-                  <a:srgbClr val="000080"/>
-                </a:solidFill>
-                <a:latin typeface="Consolas" panose="020B0609020204030204" pitchFamily="49" charset="0"/>
-              </a:rPr>
-              <a:t>m_Data</a:t>
-            </a:r>
-            <a:r>
-              <a:rPr lang="en-US" sz="900" dirty="0">
-                <a:solidFill>
-                  <a:srgbClr val="000000"/>
-                </a:solidFill>
-                <a:latin typeface="Consolas" panose="020B0609020204030204" pitchFamily="49" charset="0"/>
-              </a:rPr>
-              <a:t>[</a:t>
-            </a:r>
-            <a:r>
-              <a:rPr lang="en-US" sz="900" dirty="0" err="1">
-                <a:solidFill>
-                  <a:srgbClr val="000080"/>
-                </a:solidFill>
-                <a:latin typeface="Consolas" panose="020B0609020204030204" pitchFamily="49" charset="0"/>
-              </a:rPr>
-              <a:t>parentIndex</a:t>
-            </a:r>
-            <a:r>
-              <a:rPr lang="en-US" sz="900" dirty="0">
-                <a:solidFill>
-                  <a:srgbClr val="000000"/>
-                </a:solidFill>
-                <a:latin typeface="Consolas" panose="020B0609020204030204" pitchFamily="49" charset="0"/>
-              </a:rPr>
-              <a:t>] &gt; </a:t>
-            </a:r>
-            <a:r>
-              <a:rPr lang="en-US" sz="900" dirty="0" err="1">
-                <a:solidFill>
-                  <a:srgbClr val="000080"/>
-                </a:solidFill>
-                <a:latin typeface="Consolas" panose="020B0609020204030204" pitchFamily="49" charset="0"/>
-              </a:rPr>
-              <a:t>m_Data</a:t>
-            </a:r>
-            <a:r>
-              <a:rPr lang="en-US" sz="900" dirty="0">
-                <a:solidFill>
-                  <a:srgbClr val="000000"/>
-                </a:solidFill>
-                <a:latin typeface="Consolas" panose="020B0609020204030204" pitchFamily="49" charset="0"/>
-              </a:rPr>
-              <a:t>[</a:t>
-            </a:r>
-            <a:r>
-              <a:rPr lang="en-US" sz="900" dirty="0">
-                <a:solidFill>
-                  <a:srgbClr val="000080"/>
-                </a:solidFill>
-                <a:latin typeface="Consolas" panose="020B0609020204030204" pitchFamily="49" charset="0"/>
-              </a:rPr>
-              <a:t>index</a:t>
-            </a:r>
-            <a:r>
-              <a:rPr lang="en-US" sz="900" dirty="0">
-                <a:solidFill>
-                  <a:srgbClr val="000000"/>
-                </a:solidFill>
-                <a:latin typeface="Consolas" panose="020B0609020204030204" pitchFamily="49" charset="0"/>
-              </a:rPr>
-              <a:t>])</a:t>
-            </a:r>
-          </a:p>
-          <a:p>
-            <a:r>
-              <a:rPr lang="en-US" sz="900" dirty="0">
-                <a:solidFill>
-                  <a:srgbClr val="000000"/>
-                </a:solidFill>
-                <a:latin typeface="Consolas" panose="020B0609020204030204" pitchFamily="49" charset="0"/>
-              </a:rPr>
-              <a:t>    {</a:t>
-            </a:r>
-          </a:p>
-          <a:p>
-            <a:r>
-              <a:rPr lang="en-US" sz="900" dirty="0">
-                <a:solidFill>
-                  <a:srgbClr val="000000"/>
-                </a:solidFill>
-                <a:latin typeface="Consolas" panose="020B0609020204030204" pitchFamily="49" charset="0"/>
-              </a:rPr>
-              <a:t>        </a:t>
-            </a:r>
-            <a:r>
-              <a:rPr lang="en-US" sz="900" dirty="0">
-                <a:solidFill>
-                  <a:srgbClr val="880000"/>
-                </a:solidFill>
-                <a:latin typeface="Consolas" panose="020B0609020204030204" pitchFamily="49" charset="0"/>
-              </a:rPr>
-              <a:t>swap</a:t>
-            </a:r>
-            <a:r>
-              <a:rPr lang="en-US" sz="900" dirty="0">
-                <a:solidFill>
-                  <a:srgbClr val="000000"/>
-                </a:solidFill>
-                <a:latin typeface="Consolas" panose="020B0609020204030204" pitchFamily="49" charset="0"/>
-              </a:rPr>
-              <a:t>(&amp;</a:t>
-            </a:r>
-            <a:r>
-              <a:rPr lang="en-US" sz="900" dirty="0" err="1">
-                <a:solidFill>
-                  <a:srgbClr val="000080"/>
-                </a:solidFill>
-                <a:latin typeface="Consolas" panose="020B0609020204030204" pitchFamily="49" charset="0"/>
-              </a:rPr>
-              <a:t>m_Data</a:t>
-            </a:r>
-            <a:r>
-              <a:rPr lang="en-US" sz="900" dirty="0">
-                <a:solidFill>
-                  <a:srgbClr val="000000"/>
-                </a:solidFill>
-                <a:latin typeface="Consolas" panose="020B0609020204030204" pitchFamily="49" charset="0"/>
-              </a:rPr>
-              <a:t>[</a:t>
-            </a:r>
-            <a:r>
-              <a:rPr lang="en-US" sz="900" dirty="0">
-                <a:solidFill>
-                  <a:srgbClr val="000080"/>
-                </a:solidFill>
-                <a:latin typeface="Consolas" panose="020B0609020204030204" pitchFamily="49" charset="0"/>
-              </a:rPr>
-              <a:t>index</a:t>
-            </a:r>
-            <a:r>
-              <a:rPr lang="en-US" sz="900" dirty="0">
-                <a:solidFill>
-                  <a:srgbClr val="000000"/>
-                </a:solidFill>
-                <a:latin typeface="Consolas" panose="020B0609020204030204" pitchFamily="49" charset="0"/>
-              </a:rPr>
-              <a:t>], &amp;</a:t>
-            </a:r>
-            <a:r>
-              <a:rPr lang="en-US" sz="900" dirty="0" err="1">
-                <a:solidFill>
-                  <a:srgbClr val="000080"/>
-                </a:solidFill>
-                <a:latin typeface="Consolas" panose="020B0609020204030204" pitchFamily="49" charset="0"/>
-              </a:rPr>
-              <a:t>m_Data</a:t>
-            </a:r>
-            <a:r>
-              <a:rPr lang="en-US" sz="900" dirty="0">
-                <a:solidFill>
-                  <a:srgbClr val="000000"/>
-                </a:solidFill>
-                <a:latin typeface="Consolas" panose="020B0609020204030204" pitchFamily="49" charset="0"/>
-              </a:rPr>
-              <a:t>[</a:t>
-            </a:r>
-            <a:r>
-              <a:rPr lang="en-US" sz="900" dirty="0" err="1">
-                <a:solidFill>
-                  <a:srgbClr val="000080"/>
-                </a:solidFill>
-                <a:latin typeface="Consolas" panose="020B0609020204030204" pitchFamily="49" charset="0"/>
-              </a:rPr>
-              <a:t>parentIndex</a:t>
-            </a:r>
-            <a:r>
-              <a:rPr lang="en-US" sz="900" dirty="0">
-                <a:solidFill>
-                  <a:srgbClr val="000000"/>
-                </a:solidFill>
-                <a:latin typeface="Consolas" panose="020B0609020204030204" pitchFamily="49" charset="0"/>
-              </a:rPr>
-              <a:t>]);</a:t>
-            </a:r>
-          </a:p>
-          <a:p>
-            <a:endParaRPr lang="en-US" sz="900" dirty="0">
-              <a:solidFill>
-                <a:srgbClr val="000000"/>
-              </a:solidFill>
-              <a:latin typeface="Consolas" panose="020B0609020204030204" pitchFamily="49" charset="0"/>
-            </a:endParaRPr>
-          </a:p>
-          <a:p>
-            <a:r>
-              <a:rPr lang="en-US" sz="900" dirty="0">
-                <a:solidFill>
-                  <a:srgbClr val="000000"/>
-                </a:solidFill>
-                <a:latin typeface="Consolas" panose="020B0609020204030204" pitchFamily="49" charset="0"/>
-              </a:rPr>
-              <a:t>        </a:t>
-            </a:r>
-            <a:r>
-              <a:rPr lang="en-US" sz="900" dirty="0">
-                <a:solidFill>
-                  <a:srgbClr val="000080"/>
-                </a:solidFill>
-                <a:latin typeface="Consolas" panose="020B0609020204030204" pitchFamily="49" charset="0"/>
-              </a:rPr>
-              <a:t>index</a:t>
-            </a:r>
-            <a:r>
-              <a:rPr lang="en-US" sz="900" dirty="0">
-                <a:solidFill>
-                  <a:srgbClr val="000000"/>
-                </a:solidFill>
-                <a:latin typeface="Consolas" panose="020B0609020204030204" pitchFamily="49" charset="0"/>
-              </a:rPr>
-              <a:t> = </a:t>
-            </a:r>
-            <a:r>
-              <a:rPr lang="en-US" sz="900" dirty="0" err="1">
-                <a:solidFill>
-                  <a:srgbClr val="000080"/>
-                </a:solidFill>
-                <a:latin typeface="Consolas" panose="020B0609020204030204" pitchFamily="49" charset="0"/>
-              </a:rPr>
-              <a:t>parentIndex</a:t>
-            </a:r>
-            <a:r>
-              <a:rPr lang="en-US" sz="900" dirty="0">
-                <a:solidFill>
-                  <a:srgbClr val="000000"/>
-                </a:solidFill>
-                <a:latin typeface="Consolas" panose="020B0609020204030204" pitchFamily="49" charset="0"/>
-              </a:rPr>
-              <a:t>;</a:t>
-            </a:r>
-          </a:p>
-          <a:p>
-            <a:r>
-              <a:rPr lang="en-US" sz="900" dirty="0">
-                <a:solidFill>
-                  <a:srgbClr val="000000"/>
-                </a:solidFill>
-                <a:latin typeface="Consolas" panose="020B0609020204030204" pitchFamily="49" charset="0"/>
-              </a:rPr>
-              <a:t>        </a:t>
-            </a:r>
-            <a:r>
-              <a:rPr lang="en-US" sz="900" dirty="0" err="1">
-                <a:solidFill>
-                  <a:srgbClr val="000080"/>
-                </a:solidFill>
-                <a:latin typeface="Consolas" panose="020B0609020204030204" pitchFamily="49" charset="0"/>
-              </a:rPr>
-              <a:t>parentIndex</a:t>
-            </a:r>
-            <a:r>
-              <a:rPr lang="en-US" sz="900" dirty="0">
-                <a:solidFill>
-                  <a:srgbClr val="000000"/>
-                </a:solidFill>
-                <a:latin typeface="Consolas" panose="020B0609020204030204" pitchFamily="49" charset="0"/>
-              </a:rPr>
-              <a:t> = </a:t>
-            </a:r>
-            <a:r>
-              <a:rPr lang="en-US" sz="900" dirty="0" err="1">
-                <a:solidFill>
-                  <a:srgbClr val="880000"/>
-                </a:solidFill>
-                <a:latin typeface="Consolas" panose="020B0609020204030204" pitchFamily="49" charset="0"/>
-              </a:rPr>
-              <a:t>GetParent</a:t>
-            </a:r>
-            <a:r>
-              <a:rPr lang="en-US" sz="900" dirty="0">
-                <a:solidFill>
-                  <a:srgbClr val="000000"/>
-                </a:solidFill>
-                <a:latin typeface="Consolas" panose="020B0609020204030204" pitchFamily="49" charset="0"/>
-              </a:rPr>
-              <a:t>(</a:t>
-            </a:r>
-            <a:r>
-              <a:rPr lang="en-US" sz="900" dirty="0">
-                <a:solidFill>
-                  <a:srgbClr val="000080"/>
-                </a:solidFill>
-                <a:latin typeface="Consolas" panose="020B0609020204030204" pitchFamily="49" charset="0"/>
-              </a:rPr>
-              <a:t>index</a:t>
-            </a:r>
-            <a:r>
-              <a:rPr lang="en-US" sz="900" dirty="0">
-                <a:solidFill>
-                  <a:srgbClr val="000000"/>
-                </a:solidFill>
-                <a:latin typeface="Consolas" panose="020B0609020204030204" pitchFamily="49" charset="0"/>
-              </a:rPr>
-              <a:t>);</a:t>
-            </a:r>
-          </a:p>
-          <a:p>
-            <a:r>
-              <a:rPr lang="en-US" sz="900" dirty="0">
-                <a:solidFill>
-                  <a:srgbClr val="000000"/>
-                </a:solidFill>
-                <a:latin typeface="Consolas" panose="020B0609020204030204" pitchFamily="49" charset="0"/>
-              </a:rPr>
-              <a:t>    }</a:t>
-            </a:r>
-          </a:p>
-          <a:p>
-            <a:r>
-              <a:rPr lang="en-US" sz="900" dirty="0">
-                <a:solidFill>
-                  <a:srgbClr val="000000"/>
-                </a:solidFill>
-                <a:latin typeface="Consolas" panose="020B0609020204030204" pitchFamily="49" charset="0"/>
-              </a:rPr>
-              <a:t>}</a:t>
-            </a:r>
-            <a:endParaRPr lang="en-US" dirty="0"/>
-          </a:p>
-        </p:txBody>
-      </p:sp>
-    </p:spTree>
-    <p:extLst>
-      <p:ext uri="{BB962C8B-B14F-4D97-AF65-F5344CB8AC3E}">
-        <p14:creationId xmlns:p14="http://schemas.microsoft.com/office/powerpoint/2010/main" val="1744642446"/>
-      </p:ext>
-    </p:extLst>
-  </p:cSld>
-  <p:clrMapOvr>
-    <a:masterClrMapping/>
-  </p:clrMapOvr>
-</p:sld>
-</file>
-
-<file path=ppt/slides/slide28.xml><?xml version="1.0" encoding="utf-8"?>
-<p:sld xmlns:a="http://schemas.openxmlformats.org/drawingml/2006/main" xmlns:r="http://schemas.openxmlformats.org/officeDocument/2006/relationships" xmlns:p="http://schemas.openxmlformats.org/presentationml/2006/main">
-  <p:cSld>
-    <p:spTree>
-      <p:nvGrpSpPr>
-        <p:cNvPr id="1" name=""/>
-        <p:cNvGrpSpPr/>
-        <p:nvPr/>
-      </p:nvGrpSpPr>
-      <p:grpSpPr>
-        <a:xfrm>
-          <a:off x="0" y="0"/>
-          <a:ext cx="0" cy="0"/>
-          <a:chOff x="0" y="0"/>
-          <a:chExt cx="0" cy="0"/>
-        </a:xfrm>
-      </p:grpSpPr>
-      <p:sp>
-        <p:nvSpPr>
-          <p:cNvPr id="2" name="Title 1"/>
-          <p:cNvSpPr>
-            <a:spLocks noGrp="1"/>
-          </p:cNvSpPr>
-          <p:nvPr>
-            <p:ph type="title"/>
-          </p:nvPr>
-        </p:nvSpPr>
-        <p:spPr/>
-        <p:txBody>
-          <a:bodyPr/>
-          <a:lstStyle/>
-          <a:p>
-            <a:r>
-              <a:rPr lang="fr-CA" dirty="0" smtClean="0"/>
-              <a:t>Code</a:t>
-            </a:r>
-            <a:endParaRPr lang="en-US" dirty="0"/>
-          </a:p>
-        </p:txBody>
-      </p:sp>
-      <p:sp>
-        <p:nvSpPr>
-          <p:cNvPr id="4" name="Rectangle 3"/>
-          <p:cNvSpPr/>
-          <p:nvPr/>
-        </p:nvSpPr>
-        <p:spPr>
-          <a:xfrm>
-            <a:off x="838200" y="1997839"/>
-            <a:ext cx="3076074" cy="2862322"/>
-          </a:xfrm>
-          <a:prstGeom prst="rect">
-            <a:avLst/>
-          </a:prstGeom>
-        </p:spPr>
-        <p:txBody>
-          <a:bodyPr wrap="square">
-            <a:spAutoFit/>
-          </a:bodyPr>
-          <a:lstStyle/>
-          <a:p>
-            <a:r>
-              <a:rPr lang="en-US" sz="900" dirty="0" err="1">
-                <a:solidFill>
-                  <a:srgbClr val="0000FF"/>
-                </a:solidFill>
-                <a:latin typeface="Consolas" panose="020B0609020204030204" pitchFamily="49" charset="0"/>
-              </a:rPr>
-              <a:t>int</a:t>
-            </a:r>
-            <a:r>
-              <a:rPr lang="en-US" sz="900" dirty="0">
-                <a:solidFill>
-                  <a:srgbClr val="000000"/>
-                </a:solidFill>
-                <a:latin typeface="Consolas" panose="020B0609020204030204" pitchFamily="49" charset="0"/>
-              </a:rPr>
-              <a:t> </a:t>
-            </a:r>
-            <a:r>
-              <a:rPr lang="en-US" sz="900" dirty="0" err="1">
-                <a:solidFill>
-                  <a:srgbClr val="0000FF"/>
-                </a:solidFill>
-                <a:latin typeface="Consolas" panose="020B0609020204030204" pitchFamily="49" charset="0"/>
-              </a:rPr>
-              <a:t>BinaryHeap</a:t>
-            </a:r>
-            <a:r>
-              <a:rPr lang="en-US" sz="900" dirty="0">
-                <a:solidFill>
-                  <a:srgbClr val="000000"/>
-                </a:solidFill>
-                <a:latin typeface="Consolas" panose="020B0609020204030204" pitchFamily="49" charset="0"/>
-              </a:rPr>
-              <a:t>::</a:t>
-            </a:r>
-            <a:r>
-              <a:rPr lang="en-US" sz="900" dirty="0" err="1">
-                <a:solidFill>
-                  <a:srgbClr val="880000"/>
-                </a:solidFill>
-                <a:latin typeface="Consolas" panose="020B0609020204030204" pitchFamily="49" charset="0"/>
-              </a:rPr>
-              <a:t>ExtactMin</a:t>
-            </a:r>
-            <a:r>
-              <a:rPr lang="en-US" sz="900" dirty="0">
-                <a:solidFill>
-                  <a:srgbClr val="000000"/>
-                </a:solidFill>
-                <a:latin typeface="Consolas" panose="020B0609020204030204" pitchFamily="49" charset="0"/>
-              </a:rPr>
-              <a:t>()</a:t>
-            </a:r>
-          </a:p>
-          <a:p>
-            <a:r>
-              <a:rPr lang="en-US" sz="900" dirty="0">
-                <a:solidFill>
-                  <a:srgbClr val="000000"/>
-                </a:solidFill>
-                <a:latin typeface="Consolas" panose="020B0609020204030204" pitchFamily="49" charset="0"/>
-              </a:rPr>
-              <a:t>{</a:t>
-            </a:r>
-          </a:p>
-          <a:p>
-            <a:r>
-              <a:rPr lang="en-US" sz="900" dirty="0">
-                <a:solidFill>
-                  <a:srgbClr val="000000"/>
-                </a:solidFill>
-                <a:latin typeface="Consolas" panose="020B0609020204030204" pitchFamily="49" charset="0"/>
-              </a:rPr>
-              <a:t>    </a:t>
-            </a:r>
-            <a:r>
-              <a:rPr lang="en-US" sz="900" dirty="0">
-                <a:solidFill>
-                  <a:srgbClr val="0000FF"/>
-                </a:solidFill>
-                <a:latin typeface="Consolas" panose="020B0609020204030204" pitchFamily="49" charset="0"/>
-              </a:rPr>
-              <a:t>if</a:t>
-            </a:r>
-            <a:r>
-              <a:rPr lang="en-US" sz="900" dirty="0">
-                <a:solidFill>
-                  <a:srgbClr val="000000"/>
-                </a:solidFill>
-                <a:latin typeface="Consolas" panose="020B0609020204030204" pitchFamily="49" charset="0"/>
-              </a:rPr>
-              <a:t> (</a:t>
-            </a:r>
-            <a:r>
-              <a:rPr lang="en-US" sz="900" dirty="0" err="1">
-                <a:solidFill>
-                  <a:srgbClr val="000080"/>
-                </a:solidFill>
-                <a:latin typeface="Consolas" panose="020B0609020204030204" pitchFamily="49" charset="0"/>
-              </a:rPr>
-              <a:t>m_Count</a:t>
-            </a:r>
-            <a:r>
-              <a:rPr lang="en-US" sz="900" dirty="0">
-                <a:solidFill>
-                  <a:srgbClr val="000000"/>
-                </a:solidFill>
-                <a:latin typeface="Consolas" panose="020B0609020204030204" pitchFamily="49" charset="0"/>
-              </a:rPr>
-              <a:t> == 0)</a:t>
-            </a:r>
-          </a:p>
-          <a:p>
-            <a:r>
-              <a:rPr lang="en-US" sz="900" dirty="0">
-                <a:solidFill>
-                  <a:srgbClr val="000000"/>
-                </a:solidFill>
-                <a:latin typeface="Consolas" panose="020B0609020204030204" pitchFamily="49" charset="0"/>
-              </a:rPr>
-              <a:t>    {</a:t>
-            </a:r>
-          </a:p>
-          <a:p>
-            <a:r>
-              <a:rPr lang="en-US" sz="900" dirty="0">
-                <a:solidFill>
-                  <a:srgbClr val="000000"/>
-                </a:solidFill>
-                <a:latin typeface="Consolas" panose="020B0609020204030204" pitchFamily="49" charset="0"/>
-              </a:rPr>
-              <a:t>        </a:t>
-            </a:r>
-            <a:r>
-              <a:rPr lang="en-US" sz="900" dirty="0">
-                <a:solidFill>
-                  <a:srgbClr val="0000FF"/>
-                </a:solidFill>
-                <a:latin typeface="Consolas" panose="020B0609020204030204" pitchFamily="49" charset="0"/>
-              </a:rPr>
-              <a:t>return</a:t>
-            </a:r>
-            <a:r>
-              <a:rPr lang="en-US" sz="900" dirty="0">
-                <a:solidFill>
-                  <a:srgbClr val="000000"/>
-                </a:solidFill>
-                <a:latin typeface="Consolas" panose="020B0609020204030204" pitchFamily="49" charset="0"/>
-              </a:rPr>
-              <a:t> </a:t>
-            </a:r>
-            <a:r>
-              <a:rPr lang="en-US" sz="900" i="1" dirty="0">
-                <a:solidFill>
-                  <a:srgbClr val="A000A0"/>
-                </a:solidFill>
-                <a:latin typeface="Consolas" panose="020B0609020204030204" pitchFamily="49" charset="0"/>
-              </a:rPr>
-              <a:t>INT_MAX</a:t>
-            </a:r>
-            <a:r>
-              <a:rPr lang="en-US" sz="900" dirty="0">
-                <a:solidFill>
-                  <a:srgbClr val="000000"/>
-                </a:solidFill>
-                <a:latin typeface="Consolas" panose="020B0609020204030204" pitchFamily="49" charset="0"/>
-              </a:rPr>
-              <a:t>;</a:t>
-            </a:r>
-          </a:p>
-          <a:p>
-            <a:r>
-              <a:rPr lang="en-US" sz="900" dirty="0">
-                <a:solidFill>
-                  <a:srgbClr val="000000"/>
-                </a:solidFill>
-                <a:latin typeface="Consolas" panose="020B0609020204030204" pitchFamily="49" charset="0"/>
-              </a:rPr>
-              <a:t>    }</a:t>
-            </a:r>
-          </a:p>
-          <a:p>
-            <a:endParaRPr lang="en-US" sz="900" dirty="0">
-              <a:solidFill>
-                <a:srgbClr val="000000"/>
-              </a:solidFill>
-              <a:latin typeface="Consolas" panose="020B0609020204030204" pitchFamily="49" charset="0"/>
-            </a:endParaRPr>
-          </a:p>
-          <a:p>
-            <a:r>
-              <a:rPr lang="en-US" sz="900" dirty="0">
-                <a:solidFill>
-                  <a:srgbClr val="000000"/>
-                </a:solidFill>
-                <a:latin typeface="Consolas" panose="020B0609020204030204" pitchFamily="49" charset="0"/>
-              </a:rPr>
-              <a:t>    </a:t>
-            </a:r>
-            <a:r>
-              <a:rPr lang="en-US" sz="900" dirty="0">
-                <a:solidFill>
-                  <a:srgbClr val="0000FF"/>
-                </a:solidFill>
-                <a:latin typeface="Consolas" panose="020B0609020204030204" pitchFamily="49" charset="0"/>
-              </a:rPr>
-              <a:t>if</a:t>
-            </a:r>
-            <a:r>
-              <a:rPr lang="en-US" sz="900" dirty="0">
-                <a:solidFill>
-                  <a:srgbClr val="000000"/>
-                </a:solidFill>
-                <a:latin typeface="Consolas" panose="020B0609020204030204" pitchFamily="49" charset="0"/>
-              </a:rPr>
-              <a:t> (</a:t>
-            </a:r>
-            <a:r>
-              <a:rPr lang="en-US" sz="900" dirty="0" err="1">
-                <a:solidFill>
-                  <a:srgbClr val="000080"/>
-                </a:solidFill>
-                <a:latin typeface="Consolas" panose="020B0609020204030204" pitchFamily="49" charset="0"/>
-              </a:rPr>
-              <a:t>m_Count</a:t>
-            </a:r>
-            <a:r>
-              <a:rPr lang="en-US" sz="900" dirty="0">
-                <a:solidFill>
-                  <a:srgbClr val="000000"/>
-                </a:solidFill>
-                <a:latin typeface="Consolas" panose="020B0609020204030204" pitchFamily="49" charset="0"/>
-              </a:rPr>
-              <a:t> == 1)</a:t>
-            </a:r>
-          </a:p>
-          <a:p>
-            <a:r>
-              <a:rPr lang="en-US" sz="900" dirty="0">
-                <a:solidFill>
-                  <a:srgbClr val="000000"/>
-                </a:solidFill>
-                <a:latin typeface="Consolas" panose="020B0609020204030204" pitchFamily="49" charset="0"/>
-              </a:rPr>
-              <a:t>    {</a:t>
-            </a:r>
-          </a:p>
-          <a:p>
-            <a:r>
-              <a:rPr lang="en-US" sz="900" dirty="0">
-                <a:solidFill>
-                  <a:srgbClr val="000000"/>
-                </a:solidFill>
-                <a:latin typeface="Consolas" panose="020B0609020204030204" pitchFamily="49" charset="0"/>
-              </a:rPr>
-              <a:t>        </a:t>
-            </a:r>
-            <a:r>
-              <a:rPr lang="en-US" sz="900" dirty="0" err="1">
-                <a:solidFill>
-                  <a:srgbClr val="000080"/>
-                </a:solidFill>
-                <a:latin typeface="Consolas" panose="020B0609020204030204" pitchFamily="49" charset="0"/>
-              </a:rPr>
-              <a:t>m_Count</a:t>
-            </a:r>
-            <a:r>
-              <a:rPr lang="en-US" sz="900" dirty="0">
-                <a:solidFill>
-                  <a:srgbClr val="000000"/>
-                </a:solidFill>
-                <a:latin typeface="Consolas" panose="020B0609020204030204" pitchFamily="49" charset="0"/>
-              </a:rPr>
-              <a:t> = 0;</a:t>
-            </a:r>
-          </a:p>
-          <a:p>
-            <a:r>
-              <a:rPr lang="en-US" sz="900" dirty="0">
-                <a:solidFill>
-                  <a:srgbClr val="000000"/>
-                </a:solidFill>
-                <a:latin typeface="Consolas" panose="020B0609020204030204" pitchFamily="49" charset="0"/>
-              </a:rPr>
-              <a:t>        </a:t>
-            </a:r>
-            <a:r>
-              <a:rPr lang="en-US" sz="900" dirty="0">
-                <a:solidFill>
-                  <a:srgbClr val="0000FF"/>
-                </a:solidFill>
-                <a:latin typeface="Consolas" panose="020B0609020204030204" pitchFamily="49" charset="0"/>
-              </a:rPr>
-              <a:t>return</a:t>
-            </a:r>
-            <a:r>
-              <a:rPr lang="en-US" sz="900" dirty="0">
-                <a:solidFill>
-                  <a:srgbClr val="000000"/>
-                </a:solidFill>
-                <a:latin typeface="Consolas" panose="020B0609020204030204" pitchFamily="49" charset="0"/>
-              </a:rPr>
-              <a:t> </a:t>
-            </a:r>
-            <a:r>
-              <a:rPr lang="en-US" sz="900" dirty="0" err="1">
-                <a:solidFill>
-                  <a:srgbClr val="000080"/>
-                </a:solidFill>
-                <a:latin typeface="Consolas" panose="020B0609020204030204" pitchFamily="49" charset="0"/>
-              </a:rPr>
-              <a:t>m_Data</a:t>
-            </a:r>
-            <a:r>
-              <a:rPr lang="en-US" sz="900" dirty="0">
-                <a:solidFill>
-                  <a:srgbClr val="000000"/>
-                </a:solidFill>
-                <a:latin typeface="Consolas" panose="020B0609020204030204" pitchFamily="49" charset="0"/>
-              </a:rPr>
-              <a:t>[0];</a:t>
-            </a:r>
-          </a:p>
-          <a:p>
-            <a:r>
-              <a:rPr lang="en-US" sz="900" dirty="0">
-                <a:solidFill>
-                  <a:srgbClr val="000000"/>
-                </a:solidFill>
-                <a:latin typeface="Consolas" panose="020B0609020204030204" pitchFamily="49" charset="0"/>
-              </a:rPr>
-              <a:t>    }</a:t>
-            </a:r>
-          </a:p>
-          <a:p>
-            <a:endParaRPr lang="en-US" sz="900" dirty="0">
-              <a:solidFill>
-                <a:srgbClr val="000000"/>
-              </a:solidFill>
-              <a:latin typeface="Consolas" panose="020B0609020204030204" pitchFamily="49" charset="0"/>
-            </a:endParaRPr>
-          </a:p>
-          <a:p>
-            <a:r>
-              <a:rPr lang="en-US" sz="900" dirty="0">
-                <a:solidFill>
-                  <a:srgbClr val="000000"/>
-                </a:solidFill>
-                <a:latin typeface="Consolas" panose="020B0609020204030204" pitchFamily="49" charset="0"/>
-              </a:rPr>
-              <a:t>    </a:t>
-            </a:r>
-            <a:r>
-              <a:rPr lang="en-US" sz="900" dirty="0" err="1">
-                <a:solidFill>
-                  <a:srgbClr val="0000FF"/>
-                </a:solidFill>
-                <a:latin typeface="Consolas" panose="020B0609020204030204" pitchFamily="49" charset="0"/>
-              </a:rPr>
-              <a:t>int</a:t>
-            </a:r>
-            <a:r>
-              <a:rPr lang="en-US" sz="900" dirty="0">
-                <a:solidFill>
-                  <a:srgbClr val="000000"/>
-                </a:solidFill>
-                <a:latin typeface="Consolas" panose="020B0609020204030204" pitchFamily="49" charset="0"/>
-              </a:rPr>
-              <a:t> </a:t>
-            </a:r>
-            <a:r>
-              <a:rPr lang="en-US" sz="900" dirty="0">
-                <a:solidFill>
-                  <a:srgbClr val="000080"/>
-                </a:solidFill>
-                <a:latin typeface="Consolas" panose="020B0609020204030204" pitchFamily="49" charset="0"/>
-              </a:rPr>
-              <a:t>root</a:t>
-            </a:r>
-            <a:r>
-              <a:rPr lang="en-US" sz="900" dirty="0">
-                <a:solidFill>
-                  <a:srgbClr val="000000"/>
-                </a:solidFill>
-                <a:latin typeface="Consolas" panose="020B0609020204030204" pitchFamily="49" charset="0"/>
-              </a:rPr>
-              <a:t> = </a:t>
-            </a:r>
-            <a:r>
-              <a:rPr lang="en-US" sz="900" dirty="0" err="1">
-                <a:solidFill>
-                  <a:srgbClr val="000080"/>
-                </a:solidFill>
-                <a:latin typeface="Consolas" panose="020B0609020204030204" pitchFamily="49" charset="0"/>
-              </a:rPr>
-              <a:t>m_Data</a:t>
-            </a:r>
-            <a:r>
-              <a:rPr lang="en-US" sz="900" dirty="0">
-                <a:solidFill>
-                  <a:srgbClr val="000000"/>
-                </a:solidFill>
-                <a:latin typeface="Consolas" panose="020B0609020204030204" pitchFamily="49" charset="0"/>
-              </a:rPr>
-              <a:t>[0];</a:t>
-            </a:r>
-          </a:p>
-          <a:p>
-            <a:r>
-              <a:rPr lang="en-US" sz="900" dirty="0">
-                <a:solidFill>
-                  <a:srgbClr val="000000"/>
-                </a:solidFill>
-                <a:latin typeface="Consolas" panose="020B0609020204030204" pitchFamily="49" charset="0"/>
-              </a:rPr>
-              <a:t>    </a:t>
-            </a:r>
-            <a:r>
-              <a:rPr lang="en-US" sz="900" dirty="0" err="1">
-                <a:solidFill>
-                  <a:srgbClr val="000080"/>
-                </a:solidFill>
-                <a:latin typeface="Consolas" panose="020B0609020204030204" pitchFamily="49" charset="0"/>
-              </a:rPr>
-              <a:t>m_Data</a:t>
-            </a:r>
-            <a:r>
-              <a:rPr lang="en-US" sz="900" dirty="0">
-                <a:solidFill>
-                  <a:srgbClr val="000000"/>
-                </a:solidFill>
-                <a:latin typeface="Consolas" panose="020B0609020204030204" pitchFamily="49" charset="0"/>
-              </a:rPr>
-              <a:t>[0] = </a:t>
-            </a:r>
-            <a:r>
-              <a:rPr lang="en-US" sz="900" dirty="0" err="1">
-                <a:solidFill>
-                  <a:srgbClr val="000080"/>
-                </a:solidFill>
-                <a:latin typeface="Consolas" panose="020B0609020204030204" pitchFamily="49" charset="0"/>
-              </a:rPr>
-              <a:t>m_Data</a:t>
-            </a:r>
-            <a:r>
-              <a:rPr lang="en-US" sz="900" dirty="0">
-                <a:solidFill>
-                  <a:srgbClr val="000000"/>
-                </a:solidFill>
-                <a:latin typeface="Consolas" panose="020B0609020204030204" pitchFamily="49" charset="0"/>
-              </a:rPr>
-              <a:t>[</a:t>
-            </a:r>
-            <a:r>
-              <a:rPr lang="en-US" sz="900" dirty="0" err="1">
-                <a:solidFill>
-                  <a:srgbClr val="000080"/>
-                </a:solidFill>
-                <a:latin typeface="Consolas" panose="020B0609020204030204" pitchFamily="49" charset="0"/>
-              </a:rPr>
-              <a:t>m_Count</a:t>
-            </a:r>
-            <a:r>
-              <a:rPr lang="en-US" sz="900" dirty="0">
-                <a:solidFill>
-                  <a:srgbClr val="000000"/>
-                </a:solidFill>
-                <a:latin typeface="Consolas" panose="020B0609020204030204" pitchFamily="49" charset="0"/>
-              </a:rPr>
-              <a:t> - 1];</a:t>
-            </a:r>
-          </a:p>
-          <a:p>
-            <a:r>
-              <a:rPr lang="en-US" sz="900" dirty="0">
-                <a:solidFill>
-                  <a:srgbClr val="000000"/>
-                </a:solidFill>
-                <a:latin typeface="Consolas" panose="020B0609020204030204" pitchFamily="49" charset="0"/>
-              </a:rPr>
-              <a:t>    </a:t>
-            </a:r>
-            <a:r>
-              <a:rPr lang="en-US" sz="900" dirty="0" err="1">
-                <a:solidFill>
-                  <a:srgbClr val="000080"/>
-                </a:solidFill>
-                <a:latin typeface="Consolas" panose="020B0609020204030204" pitchFamily="49" charset="0"/>
-              </a:rPr>
-              <a:t>m_Count</a:t>
-            </a:r>
-            <a:r>
-              <a:rPr lang="en-US" sz="900" dirty="0">
-                <a:solidFill>
-                  <a:srgbClr val="000000"/>
-                </a:solidFill>
-                <a:latin typeface="Consolas" panose="020B0609020204030204" pitchFamily="49" charset="0"/>
-              </a:rPr>
-              <a:t>--;</a:t>
-            </a:r>
-          </a:p>
-          <a:p>
-            <a:r>
-              <a:rPr lang="en-US" sz="900" dirty="0">
-                <a:solidFill>
-                  <a:srgbClr val="000000"/>
-                </a:solidFill>
-                <a:latin typeface="Consolas" panose="020B0609020204030204" pitchFamily="49" charset="0"/>
-              </a:rPr>
-              <a:t>    </a:t>
-            </a:r>
-            <a:r>
-              <a:rPr lang="en-US" sz="900" dirty="0" err="1">
-                <a:solidFill>
-                  <a:srgbClr val="880000"/>
-                </a:solidFill>
-                <a:latin typeface="Consolas" panose="020B0609020204030204" pitchFamily="49" charset="0"/>
-              </a:rPr>
-              <a:t>Heapify</a:t>
-            </a:r>
-            <a:r>
-              <a:rPr lang="en-US" sz="900" dirty="0">
-                <a:solidFill>
-                  <a:srgbClr val="000000"/>
-                </a:solidFill>
-                <a:latin typeface="Consolas" panose="020B0609020204030204" pitchFamily="49" charset="0"/>
-              </a:rPr>
-              <a:t>(0);</a:t>
-            </a:r>
-          </a:p>
-          <a:p>
-            <a:endParaRPr lang="en-US" sz="900" dirty="0">
-              <a:solidFill>
-                <a:srgbClr val="000000"/>
-              </a:solidFill>
-              <a:latin typeface="Consolas" panose="020B0609020204030204" pitchFamily="49" charset="0"/>
-            </a:endParaRPr>
-          </a:p>
-          <a:p>
-            <a:r>
-              <a:rPr lang="en-US" sz="900" dirty="0">
-                <a:solidFill>
-                  <a:srgbClr val="000000"/>
-                </a:solidFill>
-                <a:latin typeface="Consolas" panose="020B0609020204030204" pitchFamily="49" charset="0"/>
-              </a:rPr>
-              <a:t>    </a:t>
-            </a:r>
-            <a:r>
-              <a:rPr lang="en-US" sz="900" dirty="0">
-                <a:solidFill>
-                  <a:srgbClr val="0000FF"/>
-                </a:solidFill>
-                <a:latin typeface="Consolas" panose="020B0609020204030204" pitchFamily="49" charset="0"/>
-              </a:rPr>
-              <a:t>return</a:t>
-            </a:r>
-            <a:r>
-              <a:rPr lang="en-US" sz="900" dirty="0">
-                <a:solidFill>
-                  <a:srgbClr val="000000"/>
-                </a:solidFill>
-                <a:latin typeface="Consolas" panose="020B0609020204030204" pitchFamily="49" charset="0"/>
-              </a:rPr>
-              <a:t> </a:t>
-            </a:r>
-            <a:r>
-              <a:rPr lang="en-US" sz="900" dirty="0">
-                <a:solidFill>
-                  <a:srgbClr val="000080"/>
-                </a:solidFill>
-                <a:latin typeface="Consolas" panose="020B0609020204030204" pitchFamily="49" charset="0"/>
-              </a:rPr>
-              <a:t>root</a:t>
-            </a:r>
-            <a:r>
-              <a:rPr lang="en-US" sz="900" dirty="0">
-                <a:solidFill>
-                  <a:srgbClr val="000000"/>
-                </a:solidFill>
-                <a:latin typeface="Consolas" panose="020B0609020204030204" pitchFamily="49" charset="0"/>
-              </a:rPr>
-              <a:t>;</a:t>
-            </a:r>
-          </a:p>
-          <a:p>
-            <a:r>
-              <a:rPr lang="en-US" sz="900" dirty="0">
-                <a:solidFill>
-                  <a:srgbClr val="000000"/>
-                </a:solidFill>
-                <a:latin typeface="Consolas" panose="020B0609020204030204" pitchFamily="49" charset="0"/>
-              </a:rPr>
-              <a:t>}</a:t>
-            </a:r>
-            <a:endParaRPr lang="en-US" dirty="0"/>
-          </a:p>
-        </p:txBody>
-      </p:sp>
-      <p:sp>
-        <p:nvSpPr>
-          <p:cNvPr id="5" name="Rectangle 4"/>
-          <p:cNvSpPr/>
-          <p:nvPr/>
-        </p:nvSpPr>
-        <p:spPr>
-          <a:xfrm>
-            <a:off x="5053263" y="1997839"/>
-            <a:ext cx="6096000" cy="2585323"/>
-          </a:xfrm>
-          <a:prstGeom prst="rect">
-            <a:avLst/>
-          </a:prstGeom>
-        </p:spPr>
-        <p:txBody>
-          <a:bodyPr>
-            <a:spAutoFit/>
-          </a:bodyPr>
-          <a:lstStyle/>
-          <a:p>
-            <a:r>
-              <a:rPr lang="en-US" sz="900" dirty="0">
-                <a:solidFill>
-                  <a:srgbClr val="0000FF"/>
-                </a:solidFill>
-                <a:latin typeface="Consolas" panose="020B0609020204030204" pitchFamily="49" charset="0"/>
-              </a:rPr>
-              <a:t>void</a:t>
-            </a:r>
-            <a:r>
-              <a:rPr lang="en-US" sz="900" dirty="0">
-                <a:solidFill>
-                  <a:srgbClr val="000000"/>
-                </a:solidFill>
-                <a:latin typeface="Consolas" panose="020B0609020204030204" pitchFamily="49" charset="0"/>
-              </a:rPr>
-              <a:t> </a:t>
-            </a:r>
-            <a:r>
-              <a:rPr lang="en-US" sz="900" dirty="0" err="1">
-                <a:solidFill>
-                  <a:srgbClr val="0000FF"/>
-                </a:solidFill>
-                <a:latin typeface="Consolas" panose="020B0609020204030204" pitchFamily="49" charset="0"/>
-              </a:rPr>
-              <a:t>BinaryHeap</a:t>
-            </a:r>
-            <a:r>
-              <a:rPr lang="en-US" sz="900" dirty="0">
-                <a:solidFill>
-                  <a:srgbClr val="000000"/>
-                </a:solidFill>
-                <a:latin typeface="Consolas" panose="020B0609020204030204" pitchFamily="49" charset="0"/>
-              </a:rPr>
-              <a:t>::</a:t>
-            </a:r>
-            <a:r>
-              <a:rPr lang="en-US" sz="900" dirty="0" err="1">
-                <a:solidFill>
-                  <a:srgbClr val="880000"/>
-                </a:solidFill>
-                <a:latin typeface="Consolas" panose="020B0609020204030204" pitchFamily="49" charset="0"/>
-              </a:rPr>
-              <a:t>Heapify</a:t>
-            </a:r>
-            <a:r>
-              <a:rPr lang="en-US" sz="900" dirty="0">
-                <a:solidFill>
-                  <a:srgbClr val="000000"/>
-                </a:solidFill>
-                <a:latin typeface="Consolas" panose="020B0609020204030204" pitchFamily="49" charset="0"/>
-              </a:rPr>
-              <a:t>(</a:t>
-            </a:r>
-            <a:r>
-              <a:rPr lang="en-US" sz="900" dirty="0" err="1">
-                <a:solidFill>
-                  <a:srgbClr val="0000FF"/>
-                </a:solidFill>
-                <a:latin typeface="Consolas" panose="020B0609020204030204" pitchFamily="49" charset="0"/>
-              </a:rPr>
-              <a:t>int</a:t>
-            </a:r>
-            <a:r>
-              <a:rPr lang="en-US" sz="900" dirty="0">
-                <a:solidFill>
-                  <a:srgbClr val="000000"/>
-                </a:solidFill>
-                <a:latin typeface="Consolas" panose="020B0609020204030204" pitchFamily="49" charset="0"/>
-              </a:rPr>
-              <a:t> </a:t>
-            </a:r>
-            <a:r>
-              <a:rPr lang="en-US" sz="900" dirty="0">
-                <a:solidFill>
-                  <a:srgbClr val="000080"/>
-                </a:solidFill>
-                <a:latin typeface="Consolas" panose="020B0609020204030204" pitchFamily="49" charset="0"/>
-              </a:rPr>
-              <a:t>index</a:t>
-            </a:r>
-            <a:r>
-              <a:rPr lang="en-US" sz="900" dirty="0">
-                <a:solidFill>
-                  <a:srgbClr val="000000"/>
-                </a:solidFill>
-                <a:latin typeface="Consolas" panose="020B0609020204030204" pitchFamily="49" charset="0"/>
-              </a:rPr>
-              <a:t>)</a:t>
-            </a:r>
-          </a:p>
-          <a:p>
-            <a:r>
-              <a:rPr lang="en-US" sz="900" dirty="0">
-                <a:solidFill>
-                  <a:srgbClr val="000000"/>
-                </a:solidFill>
-                <a:latin typeface="Consolas" panose="020B0609020204030204" pitchFamily="49" charset="0"/>
-              </a:rPr>
-              <a:t>{</a:t>
-            </a:r>
-          </a:p>
-          <a:p>
-            <a:r>
-              <a:rPr lang="en-US" sz="900" dirty="0">
-                <a:solidFill>
-                  <a:srgbClr val="000000"/>
-                </a:solidFill>
-                <a:latin typeface="Consolas" panose="020B0609020204030204" pitchFamily="49" charset="0"/>
-              </a:rPr>
-              <a:t>    </a:t>
-            </a:r>
-            <a:r>
-              <a:rPr lang="en-US" sz="900" dirty="0" err="1">
-                <a:solidFill>
-                  <a:srgbClr val="0000FF"/>
-                </a:solidFill>
-                <a:latin typeface="Consolas" panose="020B0609020204030204" pitchFamily="49" charset="0"/>
-              </a:rPr>
-              <a:t>int</a:t>
-            </a:r>
-            <a:r>
-              <a:rPr lang="en-US" sz="900" dirty="0">
-                <a:solidFill>
-                  <a:srgbClr val="000000"/>
-                </a:solidFill>
-                <a:latin typeface="Consolas" panose="020B0609020204030204" pitchFamily="49" charset="0"/>
-              </a:rPr>
-              <a:t> </a:t>
-            </a:r>
-            <a:r>
-              <a:rPr lang="en-US" sz="900" dirty="0" err="1">
-                <a:solidFill>
-                  <a:srgbClr val="000080"/>
-                </a:solidFill>
-                <a:latin typeface="Consolas" panose="020B0609020204030204" pitchFamily="49" charset="0"/>
-              </a:rPr>
-              <a:t>leftIndex</a:t>
-            </a:r>
-            <a:r>
-              <a:rPr lang="en-US" sz="900" dirty="0">
-                <a:solidFill>
-                  <a:srgbClr val="000000"/>
-                </a:solidFill>
-                <a:latin typeface="Consolas" panose="020B0609020204030204" pitchFamily="49" charset="0"/>
-              </a:rPr>
-              <a:t> = </a:t>
-            </a:r>
-            <a:r>
-              <a:rPr lang="en-US" sz="900" dirty="0" err="1">
-                <a:solidFill>
-                  <a:srgbClr val="880000"/>
-                </a:solidFill>
-                <a:latin typeface="Consolas" panose="020B0609020204030204" pitchFamily="49" charset="0"/>
-              </a:rPr>
-              <a:t>GetLeft</a:t>
-            </a:r>
-            <a:r>
-              <a:rPr lang="en-US" sz="900" dirty="0">
-                <a:solidFill>
-                  <a:srgbClr val="000000"/>
-                </a:solidFill>
-                <a:latin typeface="Consolas" panose="020B0609020204030204" pitchFamily="49" charset="0"/>
-              </a:rPr>
-              <a:t>(</a:t>
-            </a:r>
-            <a:r>
-              <a:rPr lang="en-US" sz="900" dirty="0">
-                <a:solidFill>
-                  <a:srgbClr val="000080"/>
-                </a:solidFill>
-                <a:latin typeface="Consolas" panose="020B0609020204030204" pitchFamily="49" charset="0"/>
-              </a:rPr>
-              <a:t>index</a:t>
-            </a:r>
-            <a:r>
-              <a:rPr lang="en-US" sz="900" dirty="0">
-                <a:solidFill>
-                  <a:srgbClr val="000000"/>
-                </a:solidFill>
-                <a:latin typeface="Consolas" panose="020B0609020204030204" pitchFamily="49" charset="0"/>
-              </a:rPr>
-              <a:t>);</a:t>
-            </a:r>
-          </a:p>
-          <a:p>
-            <a:r>
-              <a:rPr lang="en-US" sz="900" dirty="0">
-                <a:solidFill>
-                  <a:srgbClr val="000000"/>
-                </a:solidFill>
-                <a:latin typeface="Consolas" panose="020B0609020204030204" pitchFamily="49" charset="0"/>
-              </a:rPr>
-              <a:t>    </a:t>
-            </a:r>
-            <a:r>
-              <a:rPr lang="en-US" sz="900" dirty="0" err="1">
-                <a:solidFill>
-                  <a:srgbClr val="0000FF"/>
-                </a:solidFill>
-                <a:latin typeface="Consolas" panose="020B0609020204030204" pitchFamily="49" charset="0"/>
-              </a:rPr>
-              <a:t>int</a:t>
-            </a:r>
-            <a:r>
-              <a:rPr lang="en-US" sz="900" dirty="0">
-                <a:solidFill>
-                  <a:srgbClr val="000000"/>
-                </a:solidFill>
-                <a:latin typeface="Consolas" panose="020B0609020204030204" pitchFamily="49" charset="0"/>
-              </a:rPr>
-              <a:t> </a:t>
-            </a:r>
-            <a:r>
-              <a:rPr lang="en-US" sz="900" dirty="0" err="1">
-                <a:solidFill>
-                  <a:srgbClr val="000080"/>
-                </a:solidFill>
-                <a:latin typeface="Consolas" panose="020B0609020204030204" pitchFamily="49" charset="0"/>
-              </a:rPr>
-              <a:t>rightIndex</a:t>
-            </a:r>
-            <a:r>
-              <a:rPr lang="en-US" sz="900" dirty="0">
-                <a:solidFill>
-                  <a:srgbClr val="000000"/>
-                </a:solidFill>
-                <a:latin typeface="Consolas" panose="020B0609020204030204" pitchFamily="49" charset="0"/>
-              </a:rPr>
-              <a:t> = </a:t>
-            </a:r>
-            <a:r>
-              <a:rPr lang="en-US" sz="900" dirty="0" err="1">
-                <a:solidFill>
-                  <a:srgbClr val="880000"/>
-                </a:solidFill>
-                <a:latin typeface="Consolas" panose="020B0609020204030204" pitchFamily="49" charset="0"/>
-              </a:rPr>
-              <a:t>GetRight</a:t>
-            </a:r>
-            <a:r>
-              <a:rPr lang="en-US" sz="900" dirty="0">
-                <a:solidFill>
-                  <a:srgbClr val="000000"/>
-                </a:solidFill>
-                <a:latin typeface="Consolas" panose="020B0609020204030204" pitchFamily="49" charset="0"/>
-              </a:rPr>
-              <a:t>(</a:t>
-            </a:r>
-            <a:r>
-              <a:rPr lang="en-US" sz="900" dirty="0">
-                <a:solidFill>
-                  <a:srgbClr val="000080"/>
-                </a:solidFill>
-                <a:latin typeface="Consolas" panose="020B0609020204030204" pitchFamily="49" charset="0"/>
-              </a:rPr>
-              <a:t>index</a:t>
-            </a:r>
-            <a:r>
-              <a:rPr lang="en-US" sz="900" dirty="0">
-                <a:solidFill>
-                  <a:srgbClr val="000000"/>
-                </a:solidFill>
-                <a:latin typeface="Consolas" panose="020B0609020204030204" pitchFamily="49" charset="0"/>
-              </a:rPr>
-              <a:t>);</a:t>
-            </a:r>
-          </a:p>
-          <a:p>
-            <a:endParaRPr lang="en-US" sz="900" dirty="0">
-              <a:solidFill>
-                <a:srgbClr val="000000"/>
-              </a:solidFill>
-              <a:latin typeface="Consolas" panose="020B0609020204030204" pitchFamily="49" charset="0"/>
-            </a:endParaRPr>
-          </a:p>
-          <a:p>
-            <a:r>
-              <a:rPr lang="en-US" sz="900" dirty="0">
-                <a:solidFill>
-                  <a:srgbClr val="000000"/>
-                </a:solidFill>
-                <a:latin typeface="Consolas" panose="020B0609020204030204" pitchFamily="49" charset="0"/>
-              </a:rPr>
-              <a:t>    </a:t>
-            </a:r>
-            <a:r>
-              <a:rPr lang="en-US" sz="900" dirty="0" err="1">
-                <a:solidFill>
-                  <a:srgbClr val="0000FF"/>
-                </a:solidFill>
-                <a:latin typeface="Consolas" panose="020B0609020204030204" pitchFamily="49" charset="0"/>
-              </a:rPr>
-              <a:t>int</a:t>
-            </a:r>
-            <a:r>
-              <a:rPr lang="en-US" sz="900" dirty="0">
-                <a:solidFill>
-                  <a:srgbClr val="000000"/>
-                </a:solidFill>
-                <a:latin typeface="Consolas" panose="020B0609020204030204" pitchFamily="49" charset="0"/>
-              </a:rPr>
-              <a:t> </a:t>
-            </a:r>
-            <a:r>
-              <a:rPr lang="en-US" sz="900" dirty="0" err="1">
-                <a:solidFill>
-                  <a:srgbClr val="000080"/>
-                </a:solidFill>
-                <a:latin typeface="Consolas" panose="020B0609020204030204" pitchFamily="49" charset="0"/>
-              </a:rPr>
-              <a:t>smallestIndex</a:t>
-            </a:r>
-            <a:r>
-              <a:rPr lang="en-US" sz="900" dirty="0">
-                <a:solidFill>
-                  <a:srgbClr val="000000"/>
-                </a:solidFill>
-                <a:latin typeface="Consolas" panose="020B0609020204030204" pitchFamily="49" charset="0"/>
-              </a:rPr>
-              <a:t> = </a:t>
-            </a:r>
-            <a:r>
-              <a:rPr lang="en-US" sz="900" dirty="0">
-                <a:solidFill>
-                  <a:srgbClr val="000080"/>
-                </a:solidFill>
-                <a:latin typeface="Consolas" panose="020B0609020204030204" pitchFamily="49" charset="0"/>
-              </a:rPr>
-              <a:t>index</a:t>
-            </a:r>
-            <a:r>
-              <a:rPr lang="en-US" sz="900" dirty="0">
-                <a:solidFill>
-                  <a:srgbClr val="000000"/>
-                </a:solidFill>
-                <a:latin typeface="Consolas" panose="020B0609020204030204" pitchFamily="49" charset="0"/>
-              </a:rPr>
-              <a:t>;</a:t>
-            </a:r>
-          </a:p>
-          <a:p>
-            <a:r>
-              <a:rPr lang="en-US" sz="900" dirty="0">
-                <a:solidFill>
-                  <a:srgbClr val="000000"/>
-                </a:solidFill>
-                <a:latin typeface="Consolas" panose="020B0609020204030204" pitchFamily="49" charset="0"/>
-              </a:rPr>
-              <a:t>    </a:t>
-            </a:r>
-            <a:r>
-              <a:rPr lang="en-US" sz="900" dirty="0">
-                <a:solidFill>
-                  <a:srgbClr val="0000FF"/>
-                </a:solidFill>
-                <a:latin typeface="Consolas" panose="020B0609020204030204" pitchFamily="49" charset="0"/>
-              </a:rPr>
-              <a:t>if</a:t>
-            </a:r>
-            <a:r>
-              <a:rPr lang="en-US" sz="900" dirty="0">
-                <a:solidFill>
-                  <a:srgbClr val="000000"/>
-                </a:solidFill>
-                <a:latin typeface="Consolas" panose="020B0609020204030204" pitchFamily="49" charset="0"/>
-              </a:rPr>
-              <a:t> (</a:t>
-            </a:r>
-            <a:r>
-              <a:rPr lang="en-US" sz="900" dirty="0" err="1">
-                <a:solidFill>
-                  <a:srgbClr val="000080"/>
-                </a:solidFill>
-                <a:latin typeface="Consolas" panose="020B0609020204030204" pitchFamily="49" charset="0"/>
-              </a:rPr>
-              <a:t>leftIndex</a:t>
-            </a:r>
-            <a:r>
-              <a:rPr lang="en-US" sz="900" dirty="0">
-                <a:solidFill>
-                  <a:srgbClr val="000000"/>
-                </a:solidFill>
-                <a:latin typeface="Consolas" panose="020B0609020204030204" pitchFamily="49" charset="0"/>
-              </a:rPr>
-              <a:t> &lt; </a:t>
-            </a:r>
-            <a:r>
-              <a:rPr lang="en-US" sz="900" dirty="0" err="1">
-                <a:solidFill>
-                  <a:srgbClr val="000080"/>
-                </a:solidFill>
-                <a:latin typeface="Consolas" panose="020B0609020204030204" pitchFamily="49" charset="0"/>
-              </a:rPr>
-              <a:t>m_Count</a:t>
-            </a:r>
-            <a:r>
-              <a:rPr lang="en-US" sz="900" dirty="0">
-                <a:solidFill>
-                  <a:srgbClr val="000000"/>
-                </a:solidFill>
-                <a:latin typeface="Consolas" panose="020B0609020204030204" pitchFamily="49" charset="0"/>
-              </a:rPr>
-              <a:t> &amp;&amp; </a:t>
-            </a:r>
-            <a:r>
-              <a:rPr lang="en-US" sz="900" dirty="0" err="1">
-                <a:solidFill>
-                  <a:srgbClr val="000080"/>
-                </a:solidFill>
-                <a:latin typeface="Consolas" panose="020B0609020204030204" pitchFamily="49" charset="0"/>
-              </a:rPr>
-              <a:t>m_Data</a:t>
-            </a:r>
-            <a:r>
-              <a:rPr lang="en-US" sz="900" dirty="0">
-                <a:solidFill>
-                  <a:srgbClr val="000000"/>
-                </a:solidFill>
-                <a:latin typeface="Consolas" panose="020B0609020204030204" pitchFamily="49" charset="0"/>
-              </a:rPr>
-              <a:t>[</a:t>
-            </a:r>
-            <a:r>
-              <a:rPr lang="en-US" sz="900" dirty="0" err="1">
-                <a:solidFill>
-                  <a:srgbClr val="000080"/>
-                </a:solidFill>
-                <a:latin typeface="Consolas" panose="020B0609020204030204" pitchFamily="49" charset="0"/>
-              </a:rPr>
-              <a:t>leftIndex</a:t>
-            </a:r>
-            <a:r>
-              <a:rPr lang="en-US" sz="900" dirty="0">
-                <a:solidFill>
-                  <a:srgbClr val="000000"/>
-                </a:solidFill>
-                <a:latin typeface="Consolas" panose="020B0609020204030204" pitchFamily="49" charset="0"/>
-              </a:rPr>
-              <a:t>] &lt; </a:t>
-            </a:r>
-            <a:r>
-              <a:rPr lang="en-US" sz="900" dirty="0" err="1">
-                <a:solidFill>
-                  <a:srgbClr val="000080"/>
-                </a:solidFill>
-                <a:latin typeface="Consolas" panose="020B0609020204030204" pitchFamily="49" charset="0"/>
-              </a:rPr>
-              <a:t>m_Data</a:t>
-            </a:r>
-            <a:r>
-              <a:rPr lang="en-US" sz="900" dirty="0">
-                <a:solidFill>
-                  <a:srgbClr val="000000"/>
-                </a:solidFill>
-                <a:latin typeface="Consolas" panose="020B0609020204030204" pitchFamily="49" charset="0"/>
-              </a:rPr>
-              <a:t>[</a:t>
-            </a:r>
-            <a:r>
-              <a:rPr lang="en-US" sz="900" dirty="0" err="1">
-                <a:solidFill>
-                  <a:srgbClr val="000080"/>
-                </a:solidFill>
-                <a:latin typeface="Consolas" panose="020B0609020204030204" pitchFamily="49" charset="0"/>
-              </a:rPr>
-              <a:t>smallestIndex</a:t>
-            </a:r>
-            <a:r>
-              <a:rPr lang="en-US" sz="900" dirty="0">
-                <a:solidFill>
-                  <a:srgbClr val="000000"/>
-                </a:solidFill>
-                <a:latin typeface="Consolas" panose="020B0609020204030204" pitchFamily="49" charset="0"/>
-              </a:rPr>
-              <a:t>])</a:t>
-            </a:r>
-          </a:p>
-          <a:p>
-            <a:r>
-              <a:rPr lang="en-US" sz="900" dirty="0">
-                <a:solidFill>
-                  <a:srgbClr val="000000"/>
-                </a:solidFill>
-                <a:latin typeface="Consolas" panose="020B0609020204030204" pitchFamily="49" charset="0"/>
-              </a:rPr>
-              <a:t>        </a:t>
-            </a:r>
-            <a:r>
-              <a:rPr lang="en-US" sz="900" dirty="0" err="1">
-                <a:solidFill>
-                  <a:srgbClr val="000080"/>
-                </a:solidFill>
-                <a:latin typeface="Consolas" panose="020B0609020204030204" pitchFamily="49" charset="0"/>
-              </a:rPr>
-              <a:t>smallestIndex</a:t>
-            </a:r>
-            <a:r>
-              <a:rPr lang="en-US" sz="900" dirty="0">
-                <a:solidFill>
-                  <a:srgbClr val="000000"/>
-                </a:solidFill>
-                <a:latin typeface="Consolas" panose="020B0609020204030204" pitchFamily="49" charset="0"/>
-              </a:rPr>
-              <a:t> = </a:t>
-            </a:r>
-            <a:r>
-              <a:rPr lang="en-US" sz="900" dirty="0" err="1">
-                <a:solidFill>
-                  <a:srgbClr val="000080"/>
-                </a:solidFill>
-                <a:latin typeface="Consolas" panose="020B0609020204030204" pitchFamily="49" charset="0"/>
-              </a:rPr>
-              <a:t>leftIndex</a:t>
-            </a:r>
-            <a:r>
-              <a:rPr lang="en-US" sz="900" dirty="0">
-                <a:solidFill>
-                  <a:srgbClr val="000000"/>
-                </a:solidFill>
-                <a:latin typeface="Consolas" panose="020B0609020204030204" pitchFamily="49" charset="0"/>
-              </a:rPr>
-              <a:t>;</a:t>
-            </a:r>
-          </a:p>
-          <a:p>
-            <a:endParaRPr lang="en-US" sz="900" dirty="0">
-              <a:solidFill>
-                <a:srgbClr val="000000"/>
-              </a:solidFill>
-              <a:latin typeface="Consolas" panose="020B0609020204030204" pitchFamily="49" charset="0"/>
-            </a:endParaRPr>
-          </a:p>
-          <a:p>
-            <a:r>
-              <a:rPr lang="en-US" sz="900" dirty="0">
-                <a:solidFill>
-                  <a:srgbClr val="000000"/>
-                </a:solidFill>
-                <a:latin typeface="Consolas" panose="020B0609020204030204" pitchFamily="49" charset="0"/>
-              </a:rPr>
-              <a:t>    </a:t>
-            </a:r>
-            <a:r>
-              <a:rPr lang="en-US" sz="900" dirty="0">
-                <a:solidFill>
-                  <a:srgbClr val="0000FF"/>
-                </a:solidFill>
-                <a:latin typeface="Consolas" panose="020B0609020204030204" pitchFamily="49" charset="0"/>
-              </a:rPr>
-              <a:t>if</a:t>
-            </a:r>
-            <a:r>
-              <a:rPr lang="en-US" sz="900" dirty="0">
-                <a:solidFill>
-                  <a:srgbClr val="000000"/>
-                </a:solidFill>
-                <a:latin typeface="Consolas" panose="020B0609020204030204" pitchFamily="49" charset="0"/>
-              </a:rPr>
-              <a:t> (</a:t>
-            </a:r>
-            <a:r>
-              <a:rPr lang="en-US" sz="900" dirty="0" err="1">
-                <a:solidFill>
-                  <a:srgbClr val="000080"/>
-                </a:solidFill>
-                <a:latin typeface="Consolas" panose="020B0609020204030204" pitchFamily="49" charset="0"/>
-              </a:rPr>
-              <a:t>rightIndex</a:t>
-            </a:r>
-            <a:r>
-              <a:rPr lang="en-US" sz="900" dirty="0">
-                <a:solidFill>
-                  <a:srgbClr val="000000"/>
-                </a:solidFill>
-                <a:latin typeface="Consolas" panose="020B0609020204030204" pitchFamily="49" charset="0"/>
-              </a:rPr>
-              <a:t> &lt; </a:t>
-            </a:r>
-            <a:r>
-              <a:rPr lang="en-US" sz="900" dirty="0" err="1">
-                <a:solidFill>
-                  <a:srgbClr val="000080"/>
-                </a:solidFill>
-                <a:latin typeface="Consolas" panose="020B0609020204030204" pitchFamily="49" charset="0"/>
-              </a:rPr>
-              <a:t>m_Count</a:t>
-            </a:r>
-            <a:r>
-              <a:rPr lang="en-US" sz="900" dirty="0">
-                <a:solidFill>
-                  <a:srgbClr val="000000"/>
-                </a:solidFill>
-                <a:latin typeface="Consolas" panose="020B0609020204030204" pitchFamily="49" charset="0"/>
-              </a:rPr>
-              <a:t> &amp;&amp; </a:t>
-            </a:r>
-            <a:r>
-              <a:rPr lang="en-US" sz="900" dirty="0" err="1">
-                <a:solidFill>
-                  <a:srgbClr val="000080"/>
-                </a:solidFill>
-                <a:latin typeface="Consolas" panose="020B0609020204030204" pitchFamily="49" charset="0"/>
-              </a:rPr>
-              <a:t>m_Data</a:t>
-            </a:r>
-            <a:r>
-              <a:rPr lang="en-US" sz="900" dirty="0">
-                <a:solidFill>
-                  <a:srgbClr val="000000"/>
-                </a:solidFill>
-                <a:latin typeface="Consolas" panose="020B0609020204030204" pitchFamily="49" charset="0"/>
-              </a:rPr>
-              <a:t>[</a:t>
-            </a:r>
-            <a:r>
-              <a:rPr lang="en-US" sz="900" dirty="0" err="1">
-                <a:solidFill>
-                  <a:srgbClr val="000080"/>
-                </a:solidFill>
-                <a:latin typeface="Consolas" panose="020B0609020204030204" pitchFamily="49" charset="0"/>
-              </a:rPr>
-              <a:t>rightIndex</a:t>
-            </a:r>
-            <a:r>
-              <a:rPr lang="en-US" sz="900" dirty="0">
-                <a:solidFill>
-                  <a:srgbClr val="000000"/>
-                </a:solidFill>
-                <a:latin typeface="Consolas" panose="020B0609020204030204" pitchFamily="49" charset="0"/>
-              </a:rPr>
-              <a:t>] &lt; </a:t>
-            </a:r>
-            <a:r>
-              <a:rPr lang="en-US" sz="900" dirty="0" err="1">
-                <a:solidFill>
-                  <a:srgbClr val="000080"/>
-                </a:solidFill>
-                <a:latin typeface="Consolas" panose="020B0609020204030204" pitchFamily="49" charset="0"/>
-              </a:rPr>
-              <a:t>m_Data</a:t>
-            </a:r>
-            <a:r>
-              <a:rPr lang="en-US" sz="900" dirty="0">
-                <a:solidFill>
-                  <a:srgbClr val="000000"/>
-                </a:solidFill>
-                <a:latin typeface="Consolas" panose="020B0609020204030204" pitchFamily="49" charset="0"/>
-              </a:rPr>
-              <a:t>[</a:t>
-            </a:r>
-            <a:r>
-              <a:rPr lang="en-US" sz="900" dirty="0" err="1">
-                <a:solidFill>
-                  <a:srgbClr val="000080"/>
-                </a:solidFill>
-                <a:latin typeface="Consolas" panose="020B0609020204030204" pitchFamily="49" charset="0"/>
-              </a:rPr>
-              <a:t>smallestIndex</a:t>
-            </a:r>
-            <a:r>
-              <a:rPr lang="en-US" sz="900" dirty="0">
-                <a:solidFill>
-                  <a:srgbClr val="000000"/>
-                </a:solidFill>
-                <a:latin typeface="Consolas" panose="020B0609020204030204" pitchFamily="49" charset="0"/>
-              </a:rPr>
-              <a:t>])</a:t>
-            </a:r>
-          </a:p>
-          <a:p>
-            <a:r>
-              <a:rPr lang="en-US" sz="900" dirty="0">
-                <a:solidFill>
-                  <a:srgbClr val="000000"/>
-                </a:solidFill>
-                <a:latin typeface="Consolas" panose="020B0609020204030204" pitchFamily="49" charset="0"/>
-              </a:rPr>
-              <a:t>        </a:t>
-            </a:r>
-            <a:r>
-              <a:rPr lang="en-US" sz="900" dirty="0" err="1">
-                <a:solidFill>
-                  <a:srgbClr val="000080"/>
-                </a:solidFill>
-                <a:latin typeface="Consolas" panose="020B0609020204030204" pitchFamily="49" charset="0"/>
-              </a:rPr>
-              <a:t>smallestIndex</a:t>
-            </a:r>
-            <a:r>
-              <a:rPr lang="en-US" sz="900" dirty="0">
-                <a:solidFill>
-                  <a:srgbClr val="000000"/>
-                </a:solidFill>
-                <a:latin typeface="Consolas" panose="020B0609020204030204" pitchFamily="49" charset="0"/>
-              </a:rPr>
-              <a:t> = </a:t>
-            </a:r>
-            <a:r>
-              <a:rPr lang="en-US" sz="900" dirty="0" err="1">
-                <a:solidFill>
-                  <a:srgbClr val="000080"/>
-                </a:solidFill>
-                <a:latin typeface="Consolas" panose="020B0609020204030204" pitchFamily="49" charset="0"/>
-              </a:rPr>
-              <a:t>rightIndex</a:t>
-            </a:r>
-            <a:r>
-              <a:rPr lang="en-US" sz="900" dirty="0">
-                <a:solidFill>
-                  <a:srgbClr val="000000"/>
-                </a:solidFill>
-                <a:latin typeface="Consolas" panose="020B0609020204030204" pitchFamily="49" charset="0"/>
-              </a:rPr>
-              <a:t>;</a:t>
-            </a:r>
-          </a:p>
-          <a:p>
-            <a:endParaRPr lang="en-US" sz="900" dirty="0">
-              <a:solidFill>
-                <a:srgbClr val="000000"/>
-              </a:solidFill>
-              <a:latin typeface="Consolas" panose="020B0609020204030204" pitchFamily="49" charset="0"/>
-            </a:endParaRPr>
-          </a:p>
-          <a:p>
-            <a:r>
-              <a:rPr lang="en-US" sz="900" dirty="0">
-                <a:solidFill>
-                  <a:srgbClr val="000000"/>
-                </a:solidFill>
-                <a:latin typeface="Consolas" panose="020B0609020204030204" pitchFamily="49" charset="0"/>
-              </a:rPr>
-              <a:t>    </a:t>
-            </a:r>
-            <a:r>
-              <a:rPr lang="en-US" sz="900" dirty="0">
-                <a:solidFill>
-                  <a:srgbClr val="0000FF"/>
-                </a:solidFill>
-                <a:latin typeface="Consolas" panose="020B0609020204030204" pitchFamily="49" charset="0"/>
-              </a:rPr>
-              <a:t>if</a:t>
-            </a:r>
-            <a:r>
-              <a:rPr lang="en-US" sz="900" dirty="0">
-                <a:solidFill>
-                  <a:srgbClr val="000000"/>
-                </a:solidFill>
-                <a:latin typeface="Consolas" panose="020B0609020204030204" pitchFamily="49" charset="0"/>
-              </a:rPr>
-              <a:t> (</a:t>
-            </a:r>
-            <a:r>
-              <a:rPr lang="en-US" sz="900" dirty="0" err="1">
-                <a:solidFill>
-                  <a:srgbClr val="000080"/>
-                </a:solidFill>
-                <a:latin typeface="Consolas" panose="020B0609020204030204" pitchFamily="49" charset="0"/>
-              </a:rPr>
-              <a:t>smallestIndex</a:t>
-            </a:r>
-            <a:r>
-              <a:rPr lang="en-US" sz="900" dirty="0">
-                <a:solidFill>
-                  <a:srgbClr val="000000"/>
-                </a:solidFill>
-                <a:latin typeface="Consolas" panose="020B0609020204030204" pitchFamily="49" charset="0"/>
-              </a:rPr>
-              <a:t> != </a:t>
-            </a:r>
-            <a:r>
-              <a:rPr lang="en-US" sz="900" dirty="0">
-                <a:solidFill>
-                  <a:srgbClr val="000080"/>
-                </a:solidFill>
-                <a:latin typeface="Consolas" panose="020B0609020204030204" pitchFamily="49" charset="0"/>
-              </a:rPr>
-              <a:t>index</a:t>
-            </a:r>
-            <a:r>
-              <a:rPr lang="en-US" sz="900" dirty="0">
-                <a:solidFill>
-                  <a:srgbClr val="000000"/>
-                </a:solidFill>
-                <a:latin typeface="Consolas" panose="020B0609020204030204" pitchFamily="49" charset="0"/>
-              </a:rPr>
-              <a:t>)</a:t>
-            </a:r>
-          </a:p>
-          <a:p>
-            <a:r>
-              <a:rPr lang="en-US" sz="900" dirty="0">
-                <a:solidFill>
-                  <a:srgbClr val="000000"/>
-                </a:solidFill>
-                <a:latin typeface="Consolas" panose="020B0609020204030204" pitchFamily="49" charset="0"/>
-              </a:rPr>
-              <a:t>    {</a:t>
-            </a:r>
-          </a:p>
-          <a:p>
-            <a:r>
-              <a:rPr lang="en-US" sz="900" dirty="0">
-                <a:solidFill>
-                  <a:srgbClr val="000000"/>
-                </a:solidFill>
-                <a:latin typeface="Consolas" panose="020B0609020204030204" pitchFamily="49" charset="0"/>
-              </a:rPr>
-              <a:t>        </a:t>
-            </a:r>
-            <a:r>
-              <a:rPr lang="en-US" sz="900" dirty="0">
-                <a:solidFill>
-                  <a:srgbClr val="880000"/>
-                </a:solidFill>
-                <a:latin typeface="Consolas" panose="020B0609020204030204" pitchFamily="49" charset="0"/>
-              </a:rPr>
-              <a:t>swap</a:t>
-            </a:r>
-            <a:r>
-              <a:rPr lang="en-US" sz="900" dirty="0">
-                <a:solidFill>
-                  <a:srgbClr val="000000"/>
-                </a:solidFill>
-                <a:latin typeface="Consolas" panose="020B0609020204030204" pitchFamily="49" charset="0"/>
-              </a:rPr>
-              <a:t>(&amp;</a:t>
-            </a:r>
-            <a:r>
-              <a:rPr lang="en-US" sz="900" dirty="0" err="1">
-                <a:solidFill>
-                  <a:srgbClr val="000080"/>
-                </a:solidFill>
-                <a:latin typeface="Consolas" panose="020B0609020204030204" pitchFamily="49" charset="0"/>
-              </a:rPr>
-              <a:t>m_Data</a:t>
-            </a:r>
-            <a:r>
-              <a:rPr lang="en-US" sz="900" dirty="0">
-                <a:solidFill>
-                  <a:srgbClr val="000000"/>
-                </a:solidFill>
-                <a:latin typeface="Consolas" panose="020B0609020204030204" pitchFamily="49" charset="0"/>
-              </a:rPr>
-              <a:t>[</a:t>
-            </a:r>
-            <a:r>
-              <a:rPr lang="en-US" sz="900" dirty="0">
-                <a:solidFill>
-                  <a:srgbClr val="000080"/>
-                </a:solidFill>
-                <a:latin typeface="Consolas" panose="020B0609020204030204" pitchFamily="49" charset="0"/>
-              </a:rPr>
-              <a:t>index</a:t>
-            </a:r>
-            <a:r>
-              <a:rPr lang="en-US" sz="900" dirty="0">
-                <a:solidFill>
-                  <a:srgbClr val="000000"/>
-                </a:solidFill>
-                <a:latin typeface="Consolas" panose="020B0609020204030204" pitchFamily="49" charset="0"/>
-              </a:rPr>
-              <a:t>], &amp;</a:t>
-            </a:r>
-            <a:r>
-              <a:rPr lang="en-US" sz="900" dirty="0" err="1">
-                <a:solidFill>
-                  <a:srgbClr val="000080"/>
-                </a:solidFill>
-                <a:latin typeface="Consolas" panose="020B0609020204030204" pitchFamily="49" charset="0"/>
-              </a:rPr>
-              <a:t>m_Data</a:t>
-            </a:r>
-            <a:r>
-              <a:rPr lang="en-US" sz="900" dirty="0">
-                <a:solidFill>
-                  <a:srgbClr val="000000"/>
-                </a:solidFill>
-                <a:latin typeface="Consolas" panose="020B0609020204030204" pitchFamily="49" charset="0"/>
-              </a:rPr>
-              <a:t>[</a:t>
-            </a:r>
-            <a:r>
-              <a:rPr lang="en-US" sz="900" dirty="0" err="1">
-                <a:solidFill>
-                  <a:srgbClr val="000080"/>
-                </a:solidFill>
-                <a:latin typeface="Consolas" panose="020B0609020204030204" pitchFamily="49" charset="0"/>
-              </a:rPr>
-              <a:t>smallestIndex</a:t>
-            </a:r>
-            <a:r>
-              <a:rPr lang="en-US" sz="900" dirty="0">
-                <a:solidFill>
-                  <a:srgbClr val="000000"/>
-                </a:solidFill>
-                <a:latin typeface="Consolas" panose="020B0609020204030204" pitchFamily="49" charset="0"/>
-              </a:rPr>
-              <a:t>]);</a:t>
-            </a:r>
-          </a:p>
-          <a:p>
-            <a:r>
-              <a:rPr lang="en-US" sz="900" dirty="0">
-                <a:solidFill>
-                  <a:srgbClr val="000000"/>
-                </a:solidFill>
-                <a:latin typeface="Consolas" panose="020B0609020204030204" pitchFamily="49" charset="0"/>
-              </a:rPr>
-              <a:t>        </a:t>
-            </a:r>
-            <a:r>
-              <a:rPr lang="en-US" sz="900" dirty="0" err="1">
-                <a:solidFill>
-                  <a:srgbClr val="880000"/>
-                </a:solidFill>
-                <a:latin typeface="Consolas" panose="020B0609020204030204" pitchFamily="49" charset="0"/>
-              </a:rPr>
-              <a:t>Heapify</a:t>
-            </a:r>
-            <a:r>
-              <a:rPr lang="en-US" sz="900" dirty="0">
-                <a:solidFill>
-                  <a:srgbClr val="000000"/>
-                </a:solidFill>
-                <a:latin typeface="Consolas" panose="020B0609020204030204" pitchFamily="49" charset="0"/>
-              </a:rPr>
-              <a:t>(</a:t>
-            </a:r>
-            <a:r>
-              <a:rPr lang="en-US" sz="900" dirty="0" err="1">
-                <a:solidFill>
-                  <a:srgbClr val="000080"/>
-                </a:solidFill>
-                <a:latin typeface="Consolas" panose="020B0609020204030204" pitchFamily="49" charset="0"/>
-              </a:rPr>
-              <a:t>smallestIndex</a:t>
-            </a:r>
-            <a:r>
-              <a:rPr lang="en-US" sz="900" dirty="0">
-                <a:solidFill>
-                  <a:srgbClr val="000000"/>
-                </a:solidFill>
-                <a:latin typeface="Consolas" panose="020B0609020204030204" pitchFamily="49" charset="0"/>
-              </a:rPr>
-              <a:t>);</a:t>
-            </a:r>
-          </a:p>
-          <a:p>
-            <a:r>
-              <a:rPr lang="en-US" sz="900" dirty="0">
-                <a:solidFill>
-                  <a:srgbClr val="000000"/>
-                </a:solidFill>
-                <a:latin typeface="Consolas" panose="020B0609020204030204" pitchFamily="49" charset="0"/>
-              </a:rPr>
-              <a:t>    }</a:t>
-            </a:r>
-          </a:p>
-          <a:p>
-            <a:r>
-              <a:rPr lang="en-US" sz="900" dirty="0">
-                <a:solidFill>
-                  <a:srgbClr val="000000"/>
-                </a:solidFill>
-                <a:latin typeface="Consolas" panose="020B0609020204030204" pitchFamily="49" charset="0"/>
-              </a:rPr>
-              <a:t>}</a:t>
-            </a:r>
-            <a:endParaRPr lang="en-US" dirty="0"/>
-          </a:p>
-        </p:txBody>
-      </p:sp>
-    </p:spTree>
-    <p:extLst>
-      <p:ext uri="{BB962C8B-B14F-4D97-AF65-F5344CB8AC3E}">
-        <p14:creationId xmlns:p14="http://schemas.microsoft.com/office/powerpoint/2010/main" val="2726392822"/>
-      </p:ext>
-    </p:extLst>
-  </p:cSld>
-  <p:clrMapOvr>
-    <a:masterClrMapping/>
-  </p:clrMapOvr>
-</p:sld>
-</file>
-
-<file path=ppt/slides/slide29.xml><?xml version="1.0" encoding="utf-8"?>
 <p:sld xmlns:a="http://schemas.openxmlformats.org/drawingml/2006/main" xmlns:r="http://schemas.openxmlformats.org/officeDocument/2006/relationships" xmlns:p="http://schemas.openxmlformats.org/presentationml/2006/main">
   <p:cSld>
     <p:spTree>
